--- a/Icons.pptx
+++ b/Icons.pptx
@@ -15,6 +15,9 @@
     <p:sldId id="262" r:id="rId9"/>
     <p:sldId id="263" r:id="rId10"/>
     <p:sldId id="264" r:id="rId11"/>
+    <p:sldId id="266" r:id="rId12"/>
+    <p:sldId id="268" r:id="rId13"/>
+    <p:sldId id="267" r:id="rId14"/>
   </p:sldIdLst>
   <p:sldSz cx="12192000" cy="6858000"/>
   <p:notesSz cx="6858000" cy="9144000"/>
@@ -113,6 +116,11 @@
       </a:defRPr>
     </a:lvl9pPr>
   </p:defaultTextStyle>
+  <p:extLst>
+    <p:ext uri="{EFAFB233-063F-42B5-8137-9DF3F51BA10A}">
+      <p15:sldGuideLst xmlns:p15="http://schemas.microsoft.com/office/powerpoint/2012/main"/>
+    </p:ext>
+  </p:extLst>
 </p:presentation>
 </file>
 
@@ -161,7 +169,6 @@
               <a:rPr lang="en-US"/>
               <a:t>Click to edit Master title style</a:t>
             </a:r>
-            <a:endParaRPr lang="en-US"/>
           </a:p>
         </p:txBody>
       </p:sp>
@@ -226,7 +233,6 @@
               <a:rPr lang="en-US"/>
               <a:t>Click to edit Master subtitle style</a:t>
             </a:r>
-            <a:endParaRPr lang="en-US"/>
           </a:p>
         </p:txBody>
       </p:sp>
@@ -247,7 +253,7 @@
           <a:p>
             <a:fld id="{6DECB0FE-F71F-4D35-B360-7A8A3A317E33}" type="datetimeFigureOut">
               <a:rPr lang="en-US" smtClean="0"/>
-              <a:t>3/18/2017</a:t>
+              <a:t>3/19/2017</a:t>
             </a:fld>
             <a:endParaRPr lang="en-US"/>
           </a:p>
@@ -344,7 +350,6 @@
               <a:rPr lang="en-US"/>
               <a:t>Click to edit Master title style</a:t>
             </a:r>
-            <a:endParaRPr lang="en-US"/>
           </a:p>
         </p:txBody>
       </p:sp>
@@ -396,7 +401,6 @@
               <a:rPr lang="en-US"/>
               <a:t>Fifth level</a:t>
             </a:r>
-            <a:endParaRPr lang="en-US"/>
           </a:p>
         </p:txBody>
       </p:sp>
@@ -417,7 +421,7 @@
           <a:p>
             <a:fld id="{6DECB0FE-F71F-4D35-B360-7A8A3A317E33}" type="datetimeFigureOut">
               <a:rPr lang="en-US" smtClean="0"/>
-              <a:t>3/18/2017</a:t>
+              <a:t>3/19/2017</a:t>
             </a:fld>
             <a:endParaRPr lang="en-US"/>
           </a:p>
@@ -519,7 +523,6 @@
               <a:rPr lang="en-US"/>
               <a:t>Click to edit Master title style</a:t>
             </a:r>
-            <a:endParaRPr lang="en-US"/>
           </a:p>
         </p:txBody>
       </p:sp>
@@ -576,7 +579,6 @@
               <a:rPr lang="en-US"/>
               <a:t>Fifth level</a:t>
             </a:r>
-            <a:endParaRPr lang="en-US"/>
           </a:p>
         </p:txBody>
       </p:sp>
@@ -597,7 +599,7 @@
           <a:p>
             <a:fld id="{6DECB0FE-F71F-4D35-B360-7A8A3A317E33}" type="datetimeFigureOut">
               <a:rPr lang="en-US" smtClean="0"/>
-              <a:t>3/18/2017</a:t>
+              <a:t>3/19/2017</a:t>
             </a:fld>
             <a:endParaRPr lang="en-US"/>
           </a:p>
@@ -694,7 +696,6 @@
               <a:rPr lang="en-US"/>
               <a:t>Click to edit Master title style</a:t>
             </a:r>
-            <a:endParaRPr lang="en-US"/>
           </a:p>
         </p:txBody>
       </p:sp>
@@ -746,7 +747,6 @@
               <a:rPr lang="en-US"/>
               <a:t>Fifth level</a:t>
             </a:r>
-            <a:endParaRPr lang="en-US"/>
           </a:p>
         </p:txBody>
       </p:sp>
@@ -767,7 +767,7 @@
           <a:p>
             <a:fld id="{6DECB0FE-F71F-4D35-B360-7A8A3A317E33}" type="datetimeFigureOut">
               <a:rPr lang="en-US" smtClean="0"/>
-              <a:t>3/18/2017</a:t>
+              <a:t>3/19/2017</a:t>
             </a:fld>
             <a:endParaRPr lang="en-US"/>
           </a:p>
@@ -873,7 +873,6 @@
               <a:rPr lang="en-US"/>
               <a:t>Click to edit Master title style</a:t>
             </a:r>
-            <a:endParaRPr lang="en-US"/>
           </a:p>
         </p:txBody>
       </p:sp>
@@ -1013,7 +1012,7 @@
           <a:p>
             <a:fld id="{6DECB0FE-F71F-4D35-B360-7A8A3A317E33}" type="datetimeFigureOut">
               <a:rPr lang="en-US" smtClean="0"/>
-              <a:t>3/18/2017</a:t>
+              <a:t>3/19/2017</a:t>
             </a:fld>
             <a:endParaRPr lang="en-US"/>
           </a:p>
@@ -1110,7 +1109,6 @@
               <a:rPr lang="en-US"/>
               <a:t>Click to edit Master title style</a:t>
             </a:r>
-            <a:endParaRPr lang="en-US"/>
           </a:p>
         </p:txBody>
       </p:sp>
@@ -1167,7 +1165,6 @@
               <a:rPr lang="en-US"/>
               <a:t>Fifth level</a:t>
             </a:r>
-            <a:endParaRPr lang="en-US"/>
           </a:p>
         </p:txBody>
       </p:sp>
@@ -1224,7 +1221,6 @@
               <a:rPr lang="en-US"/>
               <a:t>Fifth level</a:t>
             </a:r>
-            <a:endParaRPr lang="en-US"/>
           </a:p>
         </p:txBody>
       </p:sp>
@@ -1245,7 +1241,7 @@
           <a:p>
             <a:fld id="{6DECB0FE-F71F-4D35-B360-7A8A3A317E33}" type="datetimeFigureOut">
               <a:rPr lang="en-US" smtClean="0"/>
-              <a:t>3/18/2017</a:t>
+              <a:t>3/19/2017</a:t>
             </a:fld>
             <a:endParaRPr lang="en-US"/>
           </a:p>
@@ -1347,7 +1343,6 @@
               <a:rPr lang="en-US"/>
               <a:t>Click to edit Master title style</a:t>
             </a:r>
-            <a:endParaRPr lang="en-US"/>
           </a:p>
         </p:txBody>
       </p:sp>
@@ -1469,7 +1464,6 @@
               <a:rPr lang="en-US"/>
               <a:t>Fifth level</a:t>
             </a:r>
-            <a:endParaRPr lang="en-US"/>
           </a:p>
         </p:txBody>
       </p:sp>
@@ -1591,7 +1585,6 @@
               <a:rPr lang="en-US"/>
               <a:t>Fifth level</a:t>
             </a:r>
-            <a:endParaRPr lang="en-US"/>
           </a:p>
         </p:txBody>
       </p:sp>
@@ -1612,7 +1605,7 @@
           <a:p>
             <a:fld id="{6DECB0FE-F71F-4D35-B360-7A8A3A317E33}" type="datetimeFigureOut">
               <a:rPr lang="en-US" smtClean="0"/>
-              <a:t>3/18/2017</a:t>
+              <a:t>3/19/2017</a:t>
             </a:fld>
             <a:endParaRPr lang="en-US"/>
           </a:p>
@@ -1709,7 +1702,6 @@
               <a:rPr lang="en-US"/>
               <a:t>Click to edit Master title style</a:t>
             </a:r>
-            <a:endParaRPr lang="en-US"/>
           </a:p>
         </p:txBody>
       </p:sp>
@@ -1730,7 +1722,7 @@
           <a:p>
             <a:fld id="{6DECB0FE-F71F-4D35-B360-7A8A3A317E33}" type="datetimeFigureOut">
               <a:rPr lang="en-US" smtClean="0"/>
-              <a:t>3/18/2017</a:t>
+              <a:t>3/19/2017</a:t>
             </a:fld>
             <a:endParaRPr lang="en-US"/>
           </a:p>
@@ -1825,7 +1817,7 @@
           <a:p>
             <a:fld id="{6DECB0FE-F71F-4D35-B360-7A8A3A317E33}" type="datetimeFigureOut">
               <a:rPr lang="en-US" smtClean="0"/>
-              <a:t>3/18/2017</a:t>
+              <a:t>3/19/2017</a:t>
             </a:fld>
             <a:endParaRPr lang="en-US"/>
           </a:p>
@@ -1931,7 +1923,6 @@
               <a:rPr lang="en-US"/>
               <a:t>Click to edit Master title style</a:t>
             </a:r>
-            <a:endParaRPr lang="en-US"/>
           </a:p>
         </p:txBody>
       </p:sp>
@@ -2016,7 +2007,6 @@
               <a:rPr lang="en-US"/>
               <a:t>Fifth level</a:t>
             </a:r>
-            <a:endParaRPr lang="en-US"/>
           </a:p>
         </p:txBody>
       </p:sp>
@@ -2102,7 +2092,7 @@
           <a:p>
             <a:fld id="{6DECB0FE-F71F-4D35-B360-7A8A3A317E33}" type="datetimeFigureOut">
               <a:rPr lang="en-US" smtClean="0"/>
-              <a:t>3/18/2017</a:t>
+              <a:t>3/19/2017</a:t>
             </a:fld>
             <a:endParaRPr lang="en-US"/>
           </a:p>
@@ -2208,7 +2198,6 @@
               <a:rPr lang="en-US"/>
               <a:t>Click to edit Master title style</a:t>
             </a:r>
-            <a:endParaRPr lang="en-US"/>
           </a:p>
         </p:txBody>
       </p:sp>
@@ -2355,7 +2344,7 @@
           <a:p>
             <a:fld id="{6DECB0FE-F71F-4D35-B360-7A8A3A317E33}" type="datetimeFigureOut">
               <a:rPr lang="en-US" smtClean="0"/>
-              <a:t>3/18/2017</a:t>
+              <a:t>3/19/2017</a:t>
             </a:fld>
             <a:endParaRPr lang="en-US"/>
           </a:p>
@@ -2420,9 +2409,14 @@
 <p:sldMaster xmlns:a="http://schemas.openxmlformats.org/drawingml/2006/main" xmlns:r="http://schemas.openxmlformats.org/officeDocument/2006/relationships" xmlns:p="http://schemas.openxmlformats.org/presentationml/2006/main">
   <p:cSld>
     <p:bg>
-      <p:bgRef idx="1001">
-        <a:schemeClr val="bg1"/>
-      </p:bgRef>
+      <p:bgPr>
+        <a:solidFill>
+          <a:schemeClr val="bg1">
+            <a:lumMod val="50000"/>
+          </a:schemeClr>
+        </a:solidFill>
+        <a:effectLst/>
+      </p:bgPr>
     </p:bg>
     <p:spTree>
       <p:nvGrpSpPr>
@@ -2467,7 +2461,6 @@
               <a:rPr lang="en-US"/>
               <a:t>Click to edit Master title style</a:t>
             </a:r>
-            <a:endParaRPr lang="en-US"/>
           </a:p>
         </p:txBody>
       </p:sp>
@@ -2529,7 +2522,6 @@
               <a:rPr lang="en-US"/>
               <a:t>Fifth level</a:t>
             </a:r>
-            <a:endParaRPr lang="en-US"/>
           </a:p>
         </p:txBody>
       </p:sp>
@@ -2568,7 +2560,7 @@
           <a:p>
             <a:fld id="{6DECB0FE-F71F-4D35-B360-7A8A3A317E33}" type="datetimeFigureOut">
               <a:rPr lang="en-US" smtClean="0"/>
-              <a:t>3/18/2017</a:t>
+              <a:t>3/19/2017</a:t>
             </a:fld>
             <a:endParaRPr lang="en-US"/>
           </a:p>
@@ -2959,16 +2951,6 @@
 <file path=ppt/slides/slide1.xml><?xml version="1.0" encoding="utf-8"?>
 <p:sld xmlns:a="http://schemas.openxmlformats.org/drawingml/2006/main" xmlns:r="http://schemas.openxmlformats.org/officeDocument/2006/relationships" xmlns:p="http://schemas.openxmlformats.org/presentationml/2006/main">
   <p:cSld>
-    <p:bg>
-      <p:bgPr>
-        <a:solidFill>
-          <a:schemeClr val="bg1">
-            <a:lumMod val="50000"/>
-          </a:schemeClr>
-        </a:solidFill>
-        <a:effectLst/>
-      </p:bgPr>
-    </p:bg>
     <p:spTree>
       <p:nvGrpSpPr>
         <p:cNvPr id="1" name=""/>
@@ -4705,16 +4687,6 @@
 <file path=ppt/slides/slide10.xml><?xml version="1.0" encoding="utf-8"?>
 <p:sld xmlns:a="http://schemas.openxmlformats.org/drawingml/2006/main" xmlns:r="http://schemas.openxmlformats.org/officeDocument/2006/relationships" xmlns:p="http://schemas.openxmlformats.org/presentationml/2006/main">
   <p:cSld>
-    <p:bg>
-      <p:bgPr>
-        <a:solidFill>
-          <a:schemeClr val="bg1">
-            <a:lumMod val="50000"/>
-          </a:schemeClr>
-        </a:solidFill>
-        <a:effectLst/>
-      </p:bgPr>
-    </p:bg>
     <p:spTree>
       <p:nvGrpSpPr>
         <p:cNvPr id="1" name=""/>
@@ -6444,19 +6416,1976 @@
 </p:sld>
 </file>
 
+<file path=ppt/slides/slide11.xml><?xml version="1.0" encoding="utf-8"?>
+<p:sld xmlns:a="http://schemas.openxmlformats.org/drawingml/2006/main" xmlns:r="http://schemas.openxmlformats.org/officeDocument/2006/relationships" xmlns:p="http://schemas.openxmlformats.org/presentationml/2006/main">
+  <p:cSld>
+    <p:spTree>
+      <p:nvGrpSpPr>
+        <p:cNvPr id="1" name=""/>
+        <p:cNvGrpSpPr/>
+        <p:nvPr/>
+      </p:nvGrpSpPr>
+      <p:grpSpPr>
+        <a:xfrm>
+          <a:off x="0" y="0"/>
+          <a:ext cx="0" cy="0"/>
+          <a:chOff x="0" y="0"/>
+          <a:chExt cx="0" cy="0"/>
+        </a:xfrm>
+      </p:grpSpPr>
+      <p:sp>
+        <p:nvSpPr>
+          <p:cNvPr id="3" name="Oval 2"/>
+          <p:cNvSpPr/>
+          <p:nvPr/>
+        </p:nvSpPr>
+        <p:spPr>
+          <a:xfrm>
+            <a:off x="3933891" y="1266891"/>
+            <a:ext cx="4324220" cy="4324220"/>
+          </a:xfrm>
+          <a:prstGeom prst="ellipse">
+            <a:avLst/>
+          </a:prstGeom>
+          <a:solidFill>
+            <a:srgbClr val="FFC61B"/>
+          </a:solidFill>
+          <a:ln>
+            <a:noFill/>
+          </a:ln>
+        </p:spPr>
+        <p:style>
+          <a:lnRef idx="2">
+            <a:schemeClr val="accent1">
+              <a:shade val="50000"/>
+            </a:schemeClr>
+          </a:lnRef>
+          <a:fillRef idx="1">
+            <a:schemeClr val="accent1"/>
+          </a:fillRef>
+          <a:effectRef idx="0">
+            <a:schemeClr val="accent1"/>
+          </a:effectRef>
+          <a:fontRef idx="minor">
+            <a:schemeClr val="lt1"/>
+          </a:fontRef>
+        </p:style>
+        <p:txBody>
+          <a:bodyPr rtlCol="0" anchor="ctr"/>
+          <a:lstStyle/>
+          <a:p>
+            <a:pPr algn="ctr"/>
+            <a:endParaRPr lang="en-US" sz="1688" dirty="0"/>
+          </a:p>
+        </p:txBody>
+      </p:sp>
+      <p:sp>
+        <p:nvSpPr>
+          <p:cNvPr id="5" name="Rectangle 4"/>
+          <p:cNvSpPr/>
+          <p:nvPr/>
+        </p:nvSpPr>
+        <p:spPr>
+          <a:xfrm rot="2700000">
+            <a:off x="6371337" y="3115955"/>
+            <a:ext cx="2421882" cy="1632224"/>
+          </a:xfrm>
+          <a:prstGeom prst="rect">
+            <a:avLst/>
+          </a:prstGeom>
+          <a:solidFill>
+            <a:schemeClr val="tx1">
+              <a:alpha val="16000"/>
+            </a:schemeClr>
+          </a:solidFill>
+          <a:ln>
+            <a:noFill/>
+          </a:ln>
+        </p:spPr>
+        <p:style>
+          <a:lnRef idx="2">
+            <a:schemeClr val="accent1">
+              <a:shade val="50000"/>
+            </a:schemeClr>
+          </a:lnRef>
+          <a:fillRef idx="1">
+            <a:schemeClr val="accent1"/>
+          </a:fillRef>
+          <a:effectRef idx="0">
+            <a:schemeClr val="accent1"/>
+          </a:effectRef>
+          <a:fontRef idx="minor">
+            <a:schemeClr val="lt1"/>
+          </a:fontRef>
+        </p:style>
+        <p:txBody>
+          <a:bodyPr rtlCol="0" anchor="ctr"/>
+          <a:lstStyle/>
+          <a:p>
+            <a:pPr algn="ctr"/>
+            <a:endParaRPr lang="en-US" sz="1688"/>
+          </a:p>
+        </p:txBody>
+      </p:sp>
+      <p:sp>
+        <p:nvSpPr>
+          <p:cNvPr id="8" name="Rectangle: Rounded Corners 7"/>
+          <p:cNvSpPr/>
+          <p:nvPr/>
+        </p:nvSpPr>
+        <p:spPr>
+          <a:xfrm>
+            <a:off x="4858175" y="2493818"/>
+            <a:ext cx="2473371" cy="1746974"/>
+          </a:xfrm>
+          <a:prstGeom prst="roundRect">
+            <a:avLst>
+              <a:gd name="adj" fmla="val 3355"/>
+            </a:avLst>
+          </a:prstGeom>
+          <a:solidFill>
+            <a:srgbClr val="0E303F"/>
+          </a:solidFill>
+          <a:ln>
+            <a:noFill/>
+          </a:ln>
+        </p:spPr>
+        <p:style>
+          <a:lnRef idx="2">
+            <a:schemeClr val="accent1">
+              <a:shade val="50000"/>
+            </a:schemeClr>
+          </a:lnRef>
+          <a:fillRef idx="1">
+            <a:schemeClr val="accent1"/>
+          </a:fillRef>
+          <a:effectRef idx="0">
+            <a:schemeClr val="accent1"/>
+          </a:effectRef>
+          <a:fontRef idx="minor">
+            <a:schemeClr val="lt1"/>
+          </a:fontRef>
+        </p:style>
+        <p:txBody>
+          <a:bodyPr rtlCol="0" anchor="ctr"/>
+          <a:lstStyle/>
+          <a:p>
+            <a:pPr algn="ctr"/>
+            <a:endParaRPr lang="en-US" sz="1688"/>
+          </a:p>
+        </p:txBody>
+      </p:sp>
+      <p:sp>
+        <p:nvSpPr>
+          <p:cNvPr id="13" name="Trapezoid 12"/>
+          <p:cNvSpPr/>
+          <p:nvPr/>
+        </p:nvSpPr>
+        <p:spPr>
+          <a:xfrm>
+            <a:off x="5702027" y="4239599"/>
+            <a:ext cx="785664" cy="235982"/>
+          </a:xfrm>
+          <a:prstGeom prst="trapezoid">
+            <a:avLst/>
+          </a:prstGeom>
+          <a:solidFill>
+            <a:srgbClr val="A6DAE9"/>
+          </a:solidFill>
+          <a:ln>
+            <a:noFill/>
+          </a:ln>
+        </p:spPr>
+        <p:style>
+          <a:lnRef idx="2">
+            <a:schemeClr val="accent1">
+              <a:shade val="50000"/>
+            </a:schemeClr>
+          </a:lnRef>
+          <a:fillRef idx="1">
+            <a:schemeClr val="accent1"/>
+          </a:fillRef>
+          <a:effectRef idx="0">
+            <a:schemeClr val="accent1"/>
+          </a:effectRef>
+          <a:fontRef idx="minor">
+            <a:schemeClr val="lt1"/>
+          </a:fontRef>
+        </p:style>
+        <p:txBody>
+          <a:bodyPr rtlCol="0" anchor="ctr"/>
+          <a:lstStyle/>
+          <a:p>
+            <a:pPr algn="ctr"/>
+            <a:endParaRPr lang="en-US"/>
+          </a:p>
+        </p:txBody>
+      </p:sp>
+      <p:sp>
+        <p:nvSpPr>
+          <p:cNvPr id="19" name="Rectangle 18"/>
+          <p:cNvSpPr/>
+          <p:nvPr/>
+        </p:nvSpPr>
+        <p:spPr>
+          <a:xfrm rot="2700000">
+            <a:off x="4984741" y="3970432"/>
+            <a:ext cx="2421882" cy="1309623"/>
+          </a:xfrm>
+          <a:prstGeom prst="rect">
+            <a:avLst/>
+          </a:prstGeom>
+          <a:solidFill>
+            <a:schemeClr val="tx1">
+              <a:alpha val="16000"/>
+            </a:schemeClr>
+          </a:solidFill>
+          <a:ln>
+            <a:noFill/>
+          </a:ln>
+        </p:spPr>
+        <p:style>
+          <a:lnRef idx="2">
+            <a:schemeClr val="accent1">
+              <a:shade val="50000"/>
+            </a:schemeClr>
+          </a:lnRef>
+          <a:fillRef idx="1">
+            <a:schemeClr val="accent1"/>
+          </a:fillRef>
+          <a:effectRef idx="0">
+            <a:schemeClr val="accent1"/>
+          </a:effectRef>
+          <a:fontRef idx="minor">
+            <a:schemeClr val="lt1"/>
+          </a:fontRef>
+        </p:style>
+        <p:txBody>
+          <a:bodyPr rtlCol="0" anchor="ctr"/>
+          <a:lstStyle/>
+          <a:p>
+            <a:pPr algn="ctr"/>
+            <a:endParaRPr lang="en-US" sz="1688"/>
+          </a:p>
+        </p:txBody>
+      </p:sp>
+      <p:sp>
+        <p:nvSpPr>
+          <p:cNvPr id="11" name="Rectangle: Rounded Corners 10"/>
+          <p:cNvSpPr/>
+          <p:nvPr/>
+        </p:nvSpPr>
+        <p:spPr>
+          <a:xfrm>
+            <a:off x="4858175" y="3824353"/>
+            <a:ext cx="2473371" cy="416439"/>
+          </a:xfrm>
+          <a:prstGeom prst="roundRect">
+            <a:avLst>
+              <a:gd name="adj" fmla="val 11442"/>
+            </a:avLst>
+          </a:prstGeom>
+          <a:solidFill>
+            <a:srgbClr val="FFFFFF"/>
+          </a:solidFill>
+          <a:ln>
+            <a:noFill/>
+          </a:ln>
+        </p:spPr>
+        <p:style>
+          <a:lnRef idx="2">
+            <a:schemeClr val="accent1">
+              <a:shade val="50000"/>
+            </a:schemeClr>
+          </a:lnRef>
+          <a:fillRef idx="1">
+            <a:schemeClr val="accent1"/>
+          </a:fillRef>
+          <a:effectRef idx="0">
+            <a:schemeClr val="accent1"/>
+          </a:effectRef>
+          <a:fontRef idx="minor">
+            <a:schemeClr val="lt1"/>
+          </a:fontRef>
+        </p:style>
+        <p:txBody>
+          <a:bodyPr rtlCol="0" anchor="ctr"/>
+          <a:lstStyle/>
+          <a:p>
+            <a:pPr algn="ctr"/>
+            <a:endParaRPr lang="en-US" sz="1688"/>
+          </a:p>
+        </p:txBody>
+      </p:sp>
+      <p:sp>
+        <p:nvSpPr>
+          <p:cNvPr id="12" name="Rectangle 11"/>
+          <p:cNvSpPr/>
+          <p:nvPr/>
+        </p:nvSpPr>
+        <p:spPr>
+          <a:xfrm>
+            <a:off x="4858175" y="3824353"/>
+            <a:ext cx="2473372" cy="206019"/>
+          </a:xfrm>
+          <a:prstGeom prst="rect">
+            <a:avLst/>
+          </a:prstGeom>
+          <a:solidFill>
+            <a:srgbClr val="0E303F"/>
+          </a:solidFill>
+          <a:ln>
+            <a:noFill/>
+          </a:ln>
+        </p:spPr>
+        <p:style>
+          <a:lnRef idx="2">
+            <a:schemeClr val="accent1">
+              <a:shade val="50000"/>
+            </a:schemeClr>
+          </a:lnRef>
+          <a:fillRef idx="1">
+            <a:schemeClr val="accent1"/>
+          </a:fillRef>
+          <a:effectRef idx="0">
+            <a:schemeClr val="accent1"/>
+          </a:effectRef>
+          <a:fontRef idx="minor">
+            <a:schemeClr val="lt1"/>
+          </a:fontRef>
+        </p:style>
+        <p:txBody>
+          <a:bodyPr rtlCol="0" anchor="ctr"/>
+          <a:lstStyle/>
+          <a:p>
+            <a:pPr algn="ctr"/>
+            <a:endParaRPr lang="en-US" sz="1688"/>
+          </a:p>
+        </p:txBody>
+      </p:sp>
+      <p:sp>
+        <p:nvSpPr>
+          <p:cNvPr id="10" name="Rectangle 9"/>
+          <p:cNvSpPr/>
+          <p:nvPr/>
+        </p:nvSpPr>
+        <p:spPr>
+          <a:xfrm>
+            <a:off x="4969724" y="2610615"/>
+            <a:ext cx="2250273" cy="1316747"/>
+          </a:xfrm>
+          <a:prstGeom prst="rect">
+            <a:avLst/>
+          </a:prstGeom>
+          <a:solidFill>
+            <a:srgbClr val="00AAA0"/>
+          </a:solidFill>
+          <a:ln>
+            <a:noFill/>
+          </a:ln>
+        </p:spPr>
+        <p:style>
+          <a:lnRef idx="2">
+            <a:schemeClr val="accent1">
+              <a:shade val="50000"/>
+            </a:schemeClr>
+          </a:lnRef>
+          <a:fillRef idx="1">
+            <a:schemeClr val="accent1"/>
+          </a:fillRef>
+          <a:effectRef idx="0">
+            <a:schemeClr val="accent1"/>
+          </a:effectRef>
+          <a:fontRef idx="minor">
+            <a:schemeClr val="lt1"/>
+          </a:fontRef>
+        </p:style>
+        <p:txBody>
+          <a:bodyPr rtlCol="0" anchor="ctr"/>
+          <a:lstStyle/>
+          <a:p>
+            <a:pPr algn="ctr"/>
+            <a:endParaRPr lang="en-US" sz="1688"/>
+          </a:p>
+        </p:txBody>
+      </p:sp>
+      <p:sp>
+        <p:nvSpPr>
+          <p:cNvPr id="15" name="Rectangle: Rounded Corners 14"/>
+          <p:cNvSpPr/>
+          <p:nvPr/>
+        </p:nvSpPr>
+        <p:spPr>
+          <a:xfrm>
+            <a:off x="5595534" y="4411862"/>
+            <a:ext cx="996429" cy="94863"/>
+          </a:xfrm>
+          <a:prstGeom prst="roundRect">
+            <a:avLst>
+              <a:gd name="adj" fmla="val 23513"/>
+            </a:avLst>
+          </a:prstGeom>
+          <a:solidFill>
+            <a:schemeClr val="bg1"/>
+          </a:solidFill>
+          <a:ln>
+            <a:noFill/>
+          </a:ln>
+        </p:spPr>
+        <p:style>
+          <a:lnRef idx="2">
+            <a:schemeClr val="accent1">
+              <a:shade val="50000"/>
+            </a:schemeClr>
+          </a:lnRef>
+          <a:fillRef idx="1">
+            <a:schemeClr val="accent1"/>
+          </a:fillRef>
+          <a:effectRef idx="0">
+            <a:schemeClr val="accent1"/>
+          </a:effectRef>
+          <a:fontRef idx="minor">
+            <a:schemeClr val="lt1"/>
+          </a:fontRef>
+        </p:style>
+        <p:txBody>
+          <a:bodyPr rtlCol="0" anchor="ctr"/>
+          <a:lstStyle/>
+          <a:p>
+            <a:pPr algn="ctr"/>
+            <a:endParaRPr lang="en-US" sz="1688"/>
+          </a:p>
+        </p:txBody>
+      </p:sp>
+      <p:sp>
+        <p:nvSpPr>
+          <p:cNvPr id="7" name="Right Triangle 6"/>
+          <p:cNvSpPr/>
+          <p:nvPr/>
+        </p:nvSpPr>
+        <p:spPr>
+          <a:xfrm flipH="1">
+            <a:off x="4969724" y="2610615"/>
+            <a:ext cx="2250273" cy="1316747"/>
+          </a:xfrm>
+          <a:prstGeom prst="rtTriangle">
+            <a:avLst/>
+          </a:prstGeom>
+          <a:solidFill>
+            <a:schemeClr val="tx1">
+              <a:alpha val="16000"/>
+            </a:schemeClr>
+          </a:solidFill>
+          <a:ln>
+            <a:noFill/>
+          </a:ln>
+        </p:spPr>
+        <p:style>
+          <a:lnRef idx="2">
+            <a:schemeClr val="accent1">
+              <a:shade val="50000"/>
+            </a:schemeClr>
+          </a:lnRef>
+          <a:fillRef idx="1">
+            <a:schemeClr val="accent1"/>
+          </a:fillRef>
+          <a:effectRef idx="0">
+            <a:schemeClr val="accent1"/>
+          </a:effectRef>
+          <a:fontRef idx="minor">
+            <a:schemeClr val="lt1"/>
+          </a:fontRef>
+        </p:style>
+        <p:txBody>
+          <a:bodyPr rtlCol="0" anchor="ctr"/>
+          <a:lstStyle/>
+          <a:p>
+            <a:pPr algn="ctr"/>
+            <a:endParaRPr lang="en-US"/>
+          </a:p>
+        </p:txBody>
+      </p:sp>
+      <p:sp>
+        <p:nvSpPr>
+          <p:cNvPr id="17" name="TextBox 16"/>
+          <p:cNvSpPr txBox="1"/>
+          <p:nvPr/>
+        </p:nvSpPr>
+        <p:spPr>
+          <a:xfrm>
+            <a:off x="4940201" y="2634437"/>
+            <a:ext cx="1236236" cy="1015663"/>
+          </a:xfrm>
+          <a:prstGeom prst="rect">
+            <a:avLst/>
+          </a:prstGeom>
+          <a:noFill/>
+        </p:spPr>
+        <p:txBody>
+          <a:bodyPr wrap="none" rtlCol="0">
+            <a:spAutoFit/>
+          </a:bodyPr>
+          <a:lstStyle/>
+          <a:p>
+            <a:r>
+              <a:rPr lang="en-US" sz="600" dirty="0">
+                <a:solidFill>
+                  <a:schemeClr val="bg1"/>
+                </a:solidFill>
+              </a:rPr>
+              <a:t>&lt;!Doctype HTML&gt;</a:t>
+            </a:r>
+          </a:p>
+          <a:p>
+            <a:r>
+              <a:rPr lang="en-US" sz="600" dirty="0">
+                <a:solidFill>
+                  <a:schemeClr val="bg1"/>
+                </a:solidFill>
+              </a:rPr>
+              <a:t>&lt;head&gt;</a:t>
+            </a:r>
+          </a:p>
+          <a:p>
+            <a:r>
+              <a:rPr lang="en-US" sz="600" dirty="0">
+                <a:solidFill>
+                  <a:schemeClr val="bg1"/>
+                </a:solidFill>
+              </a:rPr>
+              <a:t>    &lt;url&gt;www.canchen.rocks&lt;/url&gt;</a:t>
+            </a:r>
+          </a:p>
+          <a:p>
+            <a:r>
+              <a:rPr lang="en-US" sz="600" dirty="0">
+                <a:solidFill>
+                  <a:schemeClr val="bg1"/>
+                </a:solidFill>
+              </a:rPr>
+              <a:t>&lt;/head&gt;</a:t>
+            </a:r>
+          </a:p>
+          <a:p>
+            <a:r>
+              <a:rPr lang="en-US" sz="600" dirty="0">
+                <a:solidFill>
+                  <a:schemeClr val="bg1"/>
+                </a:solidFill>
+              </a:rPr>
+              <a:t>&lt;body&gt;</a:t>
+            </a:r>
+          </a:p>
+          <a:p>
+            <a:r>
+              <a:rPr lang="en-US" sz="600" dirty="0">
+                <a:solidFill>
+                  <a:schemeClr val="bg1"/>
+                </a:solidFill>
+              </a:rPr>
+              <a:t>    &lt;h1&gt;Can you read this?&lt;/h1&gt;</a:t>
+            </a:r>
+          </a:p>
+          <a:p>
+            <a:r>
+              <a:rPr lang="en-US" sz="600" dirty="0">
+                <a:solidFill>
+                  <a:schemeClr val="bg1"/>
+                </a:solidFill>
+              </a:rPr>
+              <a:t>    &lt;div class=“Smaller”&gt;</a:t>
+            </a:r>
+          </a:p>
+          <a:p>
+            <a:r>
+              <a:rPr lang="en-US" sz="600" dirty="0">
+                <a:solidFill>
+                  <a:schemeClr val="bg1"/>
+                </a:solidFill>
+              </a:rPr>
+              <a:t>        &lt;p&gt;Can you read this?&lt;/p&gt;</a:t>
+            </a:r>
+          </a:p>
+          <a:p>
+            <a:r>
+              <a:rPr lang="en-US" sz="600" dirty="0">
+                <a:solidFill>
+                  <a:schemeClr val="bg1"/>
+                </a:solidFill>
+              </a:rPr>
+              <a:t>    &lt;/div&gt;</a:t>
+            </a:r>
+          </a:p>
+          <a:p>
+            <a:r>
+              <a:rPr lang="en-US" sz="600" dirty="0">
+                <a:solidFill>
+                  <a:schemeClr val="bg1"/>
+                </a:solidFill>
+              </a:rPr>
+              <a:t>&lt;/body&gt;</a:t>
+            </a:r>
+          </a:p>
+        </p:txBody>
+      </p:sp>
+      <p:sp>
+        <p:nvSpPr>
+          <p:cNvPr id="6" name="Oval 5"/>
+          <p:cNvSpPr/>
+          <p:nvPr/>
+        </p:nvSpPr>
+        <p:spPr>
+          <a:xfrm>
+            <a:off x="3348758" y="684943"/>
+            <a:ext cx="5494485" cy="5488115"/>
+          </a:xfrm>
+          <a:prstGeom prst="ellipse">
+            <a:avLst/>
+          </a:prstGeom>
+          <a:noFill/>
+          <a:ln w="1270000">
+            <a:solidFill>
+              <a:schemeClr val="bg1"/>
+            </a:solidFill>
+          </a:ln>
+        </p:spPr>
+        <p:style>
+          <a:lnRef idx="2">
+            <a:schemeClr val="accent1">
+              <a:shade val="50000"/>
+            </a:schemeClr>
+          </a:lnRef>
+          <a:fillRef idx="1">
+            <a:schemeClr val="accent1"/>
+          </a:fillRef>
+          <a:effectRef idx="0">
+            <a:schemeClr val="accent1"/>
+          </a:effectRef>
+          <a:fontRef idx="minor">
+            <a:schemeClr val="lt1"/>
+          </a:fontRef>
+        </p:style>
+        <p:txBody>
+          <a:bodyPr rtlCol="0" anchor="ctr"/>
+          <a:lstStyle/>
+          <a:p>
+            <a:pPr algn="ctr"/>
+            <a:endParaRPr lang="en-US" sz="1688"/>
+          </a:p>
+        </p:txBody>
+      </p:sp>
+    </p:spTree>
+    <p:extLst>
+      <p:ext uri="{BB962C8B-B14F-4D97-AF65-F5344CB8AC3E}">
+        <p14:creationId xmlns:p14="http://schemas.microsoft.com/office/powerpoint/2010/main" val="186166786"/>
+      </p:ext>
+    </p:extLst>
+  </p:cSld>
+  <p:clrMapOvr>
+    <a:masterClrMapping/>
+  </p:clrMapOvr>
+</p:sld>
+</file>
+
+<file path=ppt/slides/slide12.xml><?xml version="1.0" encoding="utf-8"?>
+<p:sld xmlns:a="http://schemas.openxmlformats.org/drawingml/2006/main" xmlns:r="http://schemas.openxmlformats.org/officeDocument/2006/relationships" xmlns:p="http://schemas.openxmlformats.org/presentationml/2006/main">
+  <p:cSld>
+    <p:spTree>
+      <p:nvGrpSpPr>
+        <p:cNvPr id="1" name=""/>
+        <p:cNvGrpSpPr/>
+        <p:nvPr/>
+      </p:nvGrpSpPr>
+      <p:grpSpPr>
+        <a:xfrm>
+          <a:off x="0" y="0"/>
+          <a:ext cx="0" cy="0"/>
+          <a:chOff x="0" y="0"/>
+          <a:chExt cx="0" cy="0"/>
+        </a:xfrm>
+      </p:grpSpPr>
+      <p:sp>
+        <p:nvSpPr>
+          <p:cNvPr id="3" name="Oval 2"/>
+          <p:cNvSpPr/>
+          <p:nvPr/>
+        </p:nvSpPr>
+        <p:spPr>
+          <a:xfrm>
+            <a:off x="3933891" y="1266891"/>
+            <a:ext cx="4324220" cy="4324220"/>
+          </a:xfrm>
+          <a:prstGeom prst="ellipse">
+            <a:avLst/>
+          </a:prstGeom>
+          <a:solidFill>
+            <a:srgbClr val="FF7F4F"/>
+          </a:solidFill>
+          <a:ln>
+            <a:noFill/>
+          </a:ln>
+        </p:spPr>
+        <p:style>
+          <a:lnRef idx="2">
+            <a:schemeClr val="accent1">
+              <a:shade val="50000"/>
+            </a:schemeClr>
+          </a:lnRef>
+          <a:fillRef idx="1">
+            <a:schemeClr val="accent1"/>
+          </a:fillRef>
+          <a:effectRef idx="0">
+            <a:schemeClr val="accent1"/>
+          </a:effectRef>
+          <a:fontRef idx="minor">
+            <a:schemeClr val="lt1"/>
+          </a:fontRef>
+        </p:style>
+        <p:txBody>
+          <a:bodyPr rtlCol="0" anchor="ctr"/>
+          <a:lstStyle/>
+          <a:p>
+            <a:pPr algn="ctr"/>
+            <a:endParaRPr lang="en-US" sz="1688" dirty="0"/>
+          </a:p>
+        </p:txBody>
+      </p:sp>
+      <p:grpSp>
+        <p:nvGrpSpPr>
+          <p:cNvPr id="28" name="Group 27"/>
+          <p:cNvGrpSpPr/>
+          <p:nvPr/>
+        </p:nvGrpSpPr>
+        <p:grpSpPr>
+          <a:xfrm>
+            <a:off x="4302793" y="4225875"/>
+            <a:ext cx="3586414" cy="1831407"/>
+            <a:chOff x="5095103" y="3555974"/>
+            <a:chExt cx="2002384" cy="1022520"/>
+          </a:xfrm>
+        </p:grpSpPr>
+        <p:sp>
+          <p:nvSpPr>
+            <p:cNvPr id="8" name="Rectangle: Rounded Corners 7"/>
+            <p:cNvSpPr/>
+            <p:nvPr/>
+          </p:nvSpPr>
+          <p:spPr>
+            <a:xfrm rot="16200000">
+              <a:off x="5700090" y="3278717"/>
+              <a:ext cx="794420" cy="1805134"/>
+            </a:xfrm>
+            <a:prstGeom prst="roundRect">
+              <a:avLst>
+                <a:gd name="adj" fmla="val 10878"/>
+              </a:avLst>
+            </a:prstGeom>
+            <a:solidFill>
+              <a:srgbClr val="366695"/>
+            </a:solidFill>
+            <a:ln>
+              <a:noFill/>
+            </a:ln>
+          </p:spPr>
+          <p:style>
+            <a:lnRef idx="2">
+              <a:schemeClr val="accent1">
+                <a:shade val="50000"/>
+              </a:schemeClr>
+            </a:lnRef>
+            <a:fillRef idx="1">
+              <a:schemeClr val="accent1"/>
+            </a:fillRef>
+            <a:effectRef idx="0">
+              <a:schemeClr val="accent1"/>
+            </a:effectRef>
+            <a:fontRef idx="minor">
+              <a:schemeClr val="lt1"/>
+            </a:fontRef>
+          </p:style>
+          <p:txBody>
+            <a:bodyPr rtlCol="0" anchor="ctr"/>
+            <a:lstStyle/>
+            <a:p>
+              <a:pPr algn="ctr"/>
+              <a:endParaRPr lang="en-US" sz="1688"/>
+            </a:p>
+          </p:txBody>
+        </p:sp>
+        <p:sp>
+          <p:nvSpPr>
+            <p:cNvPr id="10" name="Right Triangle 9"/>
+            <p:cNvSpPr/>
+            <p:nvPr/>
+          </p:nvSpPr>
+          <p:spPr>
+            <a:xfrm flipH="1">
+              <a:off x="5095103" y="3861420"/>
+              <a:ext cx="99629" cy="447025"/>
+            </a:xfrm>
+            <a:prstGeom prst="rtTriangle">
+              <a:avLst/>
+            </a:prstGeom>
+            <a:solidFill>
+              <a:srgbClr val="366695"/>
+            </a:solidFill>
+            <a:ln>
+              <a:noFill/>
+            </a:ln>
+          </p:spPr>
+          <p:style>
+            <a:lnRef idx="2">
+              <a:schemeClr val="accent1">
+                <a:shade val="50000"/>
+              </a:schemeClr>
+            </a:lnRef>
+            <a:fillRef idx="1">
+              <a:schemeClr val="accent1"/>
+            </a:fillRef>
+            <a:effectRef idx="0">
+              <a:schemeClr val="accent1"/>
+            </a:effectRef>
+            <a:fontRef idx="minor">
+              <a:schemeClr val="lt1"/>
+            </a:fontRef>
+          </p:style>
+          <p:txBody>
+            <a:bodyPr rtlCol="0" anchor="ctr"/>
+            <a:lstStyle/>
+            <a:p>
+              <a:pPr algn="ctr"/>
+              <a:endParaRPr lang="en-US"/>
+            </a:p>
+          </p:txBody>
+        </p:sp>
+        <p:sp>
+          <p:nvSpPr>
+            <p:cNvPr id="11" name="Right Triangle 10"/>
+            <p:cNvSpPr/>
+            <p:nvPr/>
+          </p:nvSpPr>
+          <p:spPr>
+            <a:xfrm>
+              <a:off x="6997858" y="3861420"/>
+              <a:ext cx="99629" cy="447025"/>
+            </a:xfrm>
+            <a:prstGeom prst="rtTriangle">
+              <a:avLst/>
+            </a:prstGeom>
+            <a:solidFill>
+              <a:srgbClr val="366695"/>
+            </a:solidFill>
+            <a:ln>
+              <a:noFill/>
+            </a:ln>
+          </p:spPr>
+          <p:style>
+            <a:lnRef idx="2">
+              <a:schemeClr val="accent1">
+                <a:shade val="50000"/>
+              </a:schemeClr>
+            </a:lnRef>
+            <a:fillRef idx="1">
+              <a:schemeClr val="accent1"/>
+            </a:fillRef>
+            <a:effectRef idx="0">
+              <a:schemeClr val="accent1"/>
+            </a:effectRef>
+            <a:fontRef idx="minor">
+              <a:schemeClr val="lt1"/>
+            </a:fontRef>
+          </p:style>
+          <p:txBody>
+            <a:bodyPr rtlCol="0" anchor="ctr"/>
+            <a:lstStyle/>
+            <a:p>
+              <a:pPr algn="ctr"/>
+              <a:endParaRPr lang="en-US"/>
+            </a:p>
+          </p:txBody>
+        </p:sp>
+        <p:sp>
+          <p:nvSpPr>
+            <p:cNvPr id="12" name="Right Triangle 11"/>
+            <p:cNvSpPr/>
+            <p:nvPr/>
+          </p:nvSpPr>
+          <p:spPr>
+            <a:xfrm rot="5400000" flipH="1">
+              <a:off x="6494204" y="3366022"/>
+              <a:ext cx="228100" cy="608003"/>
+            </a:xfrm>
+            <a:prstGeom prst="rtTriangle">
+              <a:avLst/>
+            </a:prstGeom>
+            <a:solidFill>
+              <a:srgbClr val="366695"/>
+            </a:solidFill>
+            <a:ln>
+              <a:noFill/>
+            </a:ln>
+          </p:spPr>
+          <p:style>
+            <a:lnRef idx="2">
+              <a:schemeClr val="accent1">
+                <a:shade val="50000"/>
+              </a:schemeClr>
+            </a:lnRef>
+            <a:fillRef idx="1">
+              <a:schemeClr val="accent1"/>
+            </a:fillRef>
+            <a:effectRef idx="0">
+              <a:schemeClr val="accent1"/>
+            </a:effectRef>
+            <a:fontRef idx="minor">
+              <a:schemeClr val="lt1"/>
+            </a:fontRef>
+          </p:style>
+          <p:txBody>
+            <a:bodyPr rtlCol="0" anchor="ctr"/>
+            <a:lstStyle/>
+            <a:p>
+              <a:pPr algn="ctr"/>
+              <a:endParaRPr lang="en-US"/>
+            </a:p>
+          </p:txBody>
+        </p:sp>
+        <p:sp>
+          <p:nvSpPr>
+            <p:cNvPr id="13" name="Right Triangle 12"/>
+            <p:cNvSpPr/>
+            <p:nvPr/>
+          </p:nvSpPr>
+          <p:spPr>
+            <a:xfrm rot="16200000">
+              <a:off x="5466834" y="3366022"/>
+              <a:ext cx="228100" cy="608003"/>
+            </a:xfrm>
+            <a:prstGeom prst="rtTriangle">
+              <a:avLst/>
+            </a:prstGeom>
+            <a:solidFill>
+              <a:srgbClr val="366695"/>
+            </a:solidFill>
+            <a:ln>
+              <a:noFill/>
+            </a:ln>
+          </p:spPr>
+          <p:style>
+            <a:lnRef idx="2">
+              <a:schemeClr val="accent1">
+                <a:shade val="50000"/>
+              </a:schemeClr>
+            </a:lnRef>
+            <a:fillRef idx="1">
+              <a:schemeClr val="accent1"/>
+            </a:fillRef>
+            <a:effectRef idx="0">
+              <a:schemeClr val="accent1"/>
+            </a:effectRef>
+            <a:fontRef idx="minor">
+              <a:schemeClr val="lt1"/>
+            </a:fontRef>
+          </p:style>
+          <p:txBody>
+            <a:bodyPr rtlCol="0" anchor="ctr"/>
+            <a:lstStyle/>
+            <a:p>
+              <a:pPr algn="ctr"/>
+              <a:endParaRPr lang="en-US"/>
+            </a:p>
+          </p:txBody>
+        </p:sp>
+      </p:grpSp>
+      <p:grpSp>
+        <p:nvGrpSpPr>
+          <p:cNvPr id="27" name="Group 26"/>
+          <p:cNvGrpSpPr/>
+          <p:nvPr/>
+        </p:nvGrpSpPr>
+        <p:grpSpPr>
+          <a:xfrm>
+            <a:off x="5185607" y="4086864"/>
+            <a:ext cx="1820786" cy="1615131"/>
+            <a:chOff x="5576238" y="3475637"/>
+            <a:chExt cx="1016590" cy="901768"/>
+          </a:xfrm>
+        </p:grpSpPr>
+        <p:sp>
+          <p:nvSpPr>
+            <p:cNvPr id="16" name="Isosceles Triangle 15"/>
+            <p:cNvSpPr/>
+            <p:nvPr/>
+          </p:nvSpPr>
+          <p:spPr>
+            <a:xfrm rot="17211473">
+              <a:off x="5286639" y="3824203"/>
+              <a:ext cx="842801" cy="263604"/>
+            </a:xfrm>
+            <a:prstGeom prst="triangle">
+              <a:avLst>
+                <a:gd name="adj" fmla="val 53474"/>
+              </a:avLst>
+            </a:prstGeom>
+            <a:solidFill>
+              <a:srgbClr val="2D567D"/>
+            </a:solidFill>
+            <a:ln>
+              <a:noFill/>
+            </a:ln>
+          </p:spPr>
+          <p:style>
+            <a:lnRef idx="2">
+              <a:schemeClr val="accent1">
+                <a:shade val="50000"/>
+              </a:schemeClr>
+            </a:lnRef>
+            <a:fillRef idx="1">
+              <a:schemeClr val="accent1"/>
+            </a:fillRef>
+            <a:effectRef idx="0">
+              <a:schemeClr val="accent1"/>
+            </a:effectRef>
+            <a:fontRef idx="minor">
+              <a:schemeClr val="lt1"/>
+            </a:fontRef>
+          </p:style>
+          <p:txBody>
+            <a:bodyPr rtlCol="0" anchor="ctr"/>
+            <a:lstStyle/>
+            <a:p>
+              <a:pPr algn="ctr"/>
+              <a:endParaRPr lang="en-US"/>
+            </a:p>
+          </p:txBody>
+        </p:sp>
+        <p:sp>
+          <p:nvSpPr>
+            <p:cNvPr id="17" name="Isosceles Triangle 16"/>
+            <p:cNvSpPr/>
+            <p:nvPr/>
+          </p:nvSpPr>
+          <p:spPr>
+            <a:xfrm rot="4338381" flipH="1">
+              <a:off x="6039967" y="3824297"/>
+              <a:ext cx="841056" cy="264667"/>
+            </a:xfrm>
+            <a:prstGeom prst="triangle">
+              <a:avLst>
+                <a:gd name="adj" fmla="val 53474"/>
+              </a:avLst>
+            </a:prstGeom>
+            <a:solidFill>
+              <a:srgbClr val="2D567D"/>
+            </a:solidFill>
+            <a:ln>
+              <a:noFill/>
+            </a:ln>
+          </p:spPr>
+          <p:style>
+            <a:lnRef idx="2">
+              <a:schemeClr val="accent1">
+                <a:shade val="50000"/>
+              </a:schemeClr>
+            </a:lnRef>
+            <a:fillRef idx="1">
+              <a:schemeClr val="accent1"/>
+            </a:fillRef>
+            <a:effectRef idx="0">
+              <a:schemeClr val="accent1"/>
+            </a:effectRef>
+            <a:fontRef idx="minor">
+              <a:schemeClr val="lt1"/>
+            </a:fontRef>
+          </p:style>
+          <p:txBody>
+            <a:bodyPr rtlCol="0" anchor="ctr"/>
+            <a:lstStyle/>
+            <a:p>
+              <a:pPr algn="ctr"/>
+              <a:endParaRPr lang="en-US"/>
+            </a:p>
+          </p:txBody>
+        </p:sp>
+        <p:sp>
+          <p:nvSpPr>
+            <p:cNvPr id="18" name="Isosceles Triangle 17"/>
+            <p:cNvSpPr/>
+            <p:nvPr/>
+          </p:nvSpPr>
+          <p:spPr>
+            <a:xfrm rot="6537144" flipH="1">
+              <a:off x="6066554" y="3628084"/>
+              <a:ext cx="616874" cy="311980"/>
+            </a:xfrm>
+            <a:prstGeom prst="triangle">
+              <a:avLst>
+                <a:gd name="adj" fmla="val 68627"/>
+              </a:avLst>
+            </a:prstGeom>
+            <a:solidFill>
+              <a:srgbClr val="2D567D"/>
+            </a:solidFill>
+            <a:ln>
+              <a:noFill/>
+            </a:ln>
+          </p:spPr>
+          <p:style>
+            <a:lnRef idx="2">
+              <a:schemeClr val="accent1">
+                <a:shade val="50000"/>
+              </a:schemeClr>
+            </a:lnRef>
+            <a:fillRef idx="1">
+              <a:schemeClr val="accent1"/>
+            </a:fillRef>
+            <a:effectRef idx="0">
+              <a:schemeClr val="accent1"/>
+            </a:effectRef>
+            <a:fontRef idx="minor">
+              <a:schemeClr val="lt1"/>
+            </a:fontRef>
+          </p:style>
+          <p:txBody>
+            <a:bodyPr rtlCol="0" anchor="ctr"/>
+            <a:lstStyle/>
+            <a:p>
+              <a:pPr algn="ctr"/>
+              <a:endParaRPr lang="en-US" dirty="0"/>
+            </a:p>
+          </p:txBody>
+        </p:sp>
+        <p:sp>
+          <p:nvSpPr>
+            <p:cNvPr id="19" name="Isosceles Triangle 18"/>
+            <p:cNvSpPr/>
+            <p:nvPr/>
+          </p:nvSpPr>
+          <p:spPr>
+            <a:xfrm rot="15062856">
+              <a:off x="5483526" y="3633376"/>
+              <a:ext cx="616874" cy="311980"/>
+            </a:xfrm>
+            <a:prstGeom prst="triangle">
+              <a:avLst>
+                <a:gd name="adj" fmla="val 68627"/>
+              </a:avLst>
+            </a:prstGeom>
+            <a:solidFill>
+              <a:srgbClr val="2D567D"/>
+            </a:solidFill>
+            <a:ln>
+              <a:noFill/>
+            </a:ln>
+          </p:spPr>
+          <p:style>
+            <a:lnRef idx="2">
+              <a:schemeClr val="accent1">
+                <a:shade val="50000"/>
+              </a:schemeClr>
+            </a:lnRef>
+            <a:fillRef idx="1">
+              <a:schemeClr val="accent1"/>
+            </a:fillRef>
+            <a:effectRef idx="0">
+              <a:schemeClr val="accent1"/>
+            </a:effectRef>
+            <a:fontRef idx="minor">
+              <a:schemeClr val="lt1"/>
+            </a:fontRef>
+          </p:style>
+          <p:txBody>
+            <a:bodyPr rtlCol="0" anchor="ctr"/>
+            <a:lstStyle/>
+            <a:p>
+              <a:pPr algn="ctr"/>
+              <a:endParaRPr lang="en-US" dirty="0"/>
+            </a:p>
+          </p:txBody>
+        </p:sp>
+      </p:grpSp>
+      <p:sp>
+        <p:nvSpPr>
+          <p:cNvPr id="14" name="Chord 13"/>
+          <p:cNvSpPr/>
+          <p:nvPr/>
+        </p:nvSpPr>
+        <p:spPr>
+          <a:xfrm rot="12210667">
+            <a:off x="6639553" y="2996972"/>
+            <a:ext cx="305234" cy="530009"/>
+          </a:xfrm>
+          <a:prstGeom prst="chord">
+            <a:avLst/>
+          </a:prstGeom>
+          <a:solidFill>
+            <a:srgbClr val="FFEDB5"/>
+          </a:solidFill>
+          <a:ln>
+            <a:noFill/>
+          </a:ln>
+        </p:spPr>
+        <p:style>
+          <a:lnRef idx="2">
+            <a:schemeClr val="accent1">
+              <a:shade val="50000"/>
+            </a:schemeClr>
+          </a:lnRef>
+          <a:fillRef idx="1">
+            <a:schemeClr val="accent1"/>
+          </a:fillRef>
+          <a:effectRef idx="0">
+            <a:schemeClr val="accent1"/>
+          </a:effectRef>
+          <a:fontRef idx="minor">
+            <a:schemeClr val="lt1"/>
+          </a:fontRef>
+        </p:style>
+        <p:txBody>
+          <a:bodyPr rtlCol="0" anchor="ctr"/>
+          <a:lstStyle/>
+          <a:p>
+            <a:pPr algn="ctr"/>
+            <a:endParaRPr lang="en-US"/>
+          </a:p>
+        </p:txBody>
+      </p:sp>
+      <p:sp>
+        <p:nvSpPr>
+          <p:cNvPr id="15" name="Chord 14"/>
+          <p:cNvSpPr/>
+          <p:nvPr/>
+        </p:nvSpPr>
+        <p:spPr>
+          <a:xfrm rot="9389333" flipH="1">
+            <a:off x="5247213" y="2989927"/>
+            <a:ext cx="305234" cy="530009"/>
+          </a:xfrm>
+          <a:prstGeom prst="chord">
+            <a:avLst/>
+          </a:prstGeom>
+          <a:solidFill>
+            <a:srgbClr val="FFEDB5"/>
+          </a:solidFill>
+          <a:ln>
+            <a:noFill/>
+          </a:ln>
+        </p:spPr>
+        <p:style>
+          <a:lnRef idx="2">
+            <a:schemeClr val="accent1">
+              <a:shade val="50000"/>
+            </a:schemeClr>
+          </a:lnRef>
+          <a:fillRef idx="1">
+            <a:schemeClr val="accent1"/>
+          </a:fillRef>
+          <a:effectRef idx="0">
+            <a:schemeClr val="accent1"/>
+          </a:effectRef>
+          <a:fontRef idx="minor">
+            <a:schemeClr val="lt1"/>
+          </a:fontRef>
+        </p:style>
+        <p:txBody>
+          <a:bodyPr rtlCol="0" anchor="ctr"/>
+          <a:lstStyle/>
+          <a:p>
+            <a:pPr algn="ctr"/>
+            <a:endParaRPr lang="en-US"/>
+          </a:p>
+        </p:txBody>
+      </p:sp>
+      <p:sp>
+        <p:nvSpPr>
+          <p:cNvPr id="21" name="Trapezoid 20"/>
+          <p:cNvSpPr/>
+          <p:nvPr/>
+        </p:nvSpPr>
+        <p:spPr>
+          <a:xfrm flipV="1">
+            <a:off x="5613922" y="3814983"/>
+            <a:ext cx="976750" cy="1758621"/>
+          </a:xfrm>
+          <a:prstGeom prst="trapezoid">
+            <a:avLst>
+              <a:gd name="adj" fmla="val 13325"/>
+            </a:avLst>
+          </a:prstGeom>
+          <a:solidFill>
+            <a:srgbClr val="FFD0BA"/>
+          </a:solidFill>
+          <a:ln>
+            <a:noFill/>
+          </a:ln>
+        </p:spPr>
+        <p:style>
+          <a:lnRef idx="2">
+            <a:schemeClr val="accent1">
+              <a:shade val="50000"/>
+            </a:schemeClr>
+          </a:lnRef>
+          <a:fillRef idx="1">
+            <a:schemeClr val="accent1"/>
+          </a:fillRef>
+          <a:effectRef idx="0">
+            <a:schemeClr val="accent1"/>
+          </a:effectRef>
+          <a:fontRef idx="minor">
+            <a:schemeClr val="lt1"/>
+          </a:fontRef>
+        </p:style>
+        <p:txBody>
+          <a:bodyPr rtlCol="0" anchor="ctr"/>
+          <a:lstStyle/>
+          <a:p>
+            <a:pPr algn="ctr"/>
+            <a:endParaRPr lang="en-US"/>
+          </a:p>
+        </p:txBody>
+      </p:sp>
+      <p:sp>
+        <p:nvSpPr>
+          <p:cNvPr id="9" name="Oval 8"/>
+          <p:cNvSpPr/>
+          <p:nvPr/>
+        </p:nvSpPr>
+        <p:spPr>
+          <a:xfrm>
+            <a:off x="5373107" y="2086885"/>
+            <a:ext cx="1448671" cy="2068328"/>
+          </a:xfrm>
+          <a:prstGeom prst="ellipse">
+            <a:avLst/>
+          </a:prstGeom>
+          <a:solidFill>
+            <a:srgbClr val="FFEDB5"/>
+          </a:solidFill>
+          <a:ln>
+            <a:noFill/>
+          </a:ln>
+        </p:spPr>
+        <p:style>
+          <a:lnRef idx="2">
+            <a:schemeClr val="accent1">
+              <a:shade val="50000"/>
+            </a:schemeClr>
+          </a:lnRef>
+          <a:fillRef idx="1">
+            <a:schemeClr val="accent1"/>
+          </a:fillRef>
+          <a:effectRef idx="0">
+            <a:schemeClr val="accent1"/>
+          </a:effectRef>
+          <a:fontRef idx="minor">
+            <a:schemeClr val="lt1"/>
+          </a:fontRef>
+        </p:style>
+        <p:txBody>
+          <a:bodyPr rtlCol="0" anchor="ctr"/>
+          <a:lstStyle/>
+          <a:p>
+            <a:pPr algn="ctr"/>
+            <a:endParaRPr lang="en-US"/>
+          </a:p>
+        </p:txBody>
+      </p:sp>
+      <p:grpSp>
+        <p:nvGrpSpPr>
+          <p:cNvPr id="22" name="Group 21"/>
+          <p:cNvGrpSpPr/>
+          <p:nvPr/>
+        </p:nvGrpSpPr>
+        <p:grpSpPr>
+          <a:xfrm>
+            <a:off x="5669825" y="4762809"/>
+            <a:ext cx="864192" cy="1361815"/>
+            <a:chOff x="5421743" y="5283200"/>
+            <a:chExt cx="1625601" cy="2678545"/>
+          </a:xfrm>
+        </p:grpSpPr>
+        <p:sp>
+          <p:nvSpPr>
+            <p:cNvPr id="23" name="Arrow: Chevron 22"/>
+            <p:cNvSpPr/>
+            <p:nvPr/>
+          </p:nvSpPr>
+          <p:spPr>
+            <a:xfrm rot="5400000">
+              <a:off x="4895271" y="5809672"/>
+              <a:ext cx="2678545" cy="1625601"/>
+            </a:xfrm>
+            <a:prstGeom prst="chevron">
+              <a:avLst>
+                <a:gd name="adj" fmla="val 62554"/>
+              </a:avLst>
+            </a:prstGeom>
+            <a:solidFill>
+              <a:schemeClr val="tx1">
+                <a:lumMod val="85000"/>
+                <a:lumOff val="15000"/>
+              </a:schemeClr>
+            </a:solidFill>
+            <a:ln>
+              <a:noFill/>
+            </a:ln>
+          </p:spPr>
+          <p:style>
+            <a:lnRef idx="2">
+              <a:schemeClr val="accent1">
+                <a:shade val="50000"/>
+              </a:schemeClr>
+            </a:lnRef>
+            <a:fillRef idx="1">
+              <a:schemeClr val="accent1"/>
+            </a:fillRef>
+            <a:effectRef idx="0">
+              <a:schemeClr val="accent1"/>
+            </a:effectRef>
+            <a:fontRef idx="minor">
+              <a:schemeClr val="lt1"/>
+            </a:fontRef>
+          </p:style>
+          <p:txBody>
+            <a:bodyPr rtlCol="0" anchor="ctr"/>
+            <a:lstStyle/>
+            <a:p>
+              <a:pPr algn="ctr"/>
+              <a:endParaRPr lang="en-US">
+                <a:solidFill>
+                  <a:schemeClr val="tx1"/>
+                </a:solidFill>
+              </a:endParaRPr>
+            </a:p>
+          </p:txBody>
+        </p:sp>
+        <p:sp>
+          <p:nvSpPr>
+            <p:cNvPr id="24" name="Arrow: Chevron 23"/>
+            <p:cNvSpPr/>
+            <p:nvPr/>
+          </p:nvSpPr>
+          <p:spPr>
+            <a:xfrm rot="5400000">
+              <a:off x="5983319" y="5881907"/>
+              <a:ext cx="498761" cy="716134"/>
+            </a:xfrm>
+            <a:prstGeom prst="chevron">
+              <a:avLst>
+                <a:gd name="adj" fmla="val 45887"/>
+              </a:avLst>
+            </a:prstGeom>
+            <a:solidFill>
+              <a:schemeClr val="tx1">
+                <a:lumMod val="85000"/>
+                <a:lumOff val="15000"/>
+              </a:schemeClr>
+            </a:solidFill>
+            <a:ln>
+              <a:noFill/>
+            </a:ln>
+          </p:spPr>
+          <p:style>
+            <a:lnRef idx="2">
+              <a:schemeClr val="accent1">
+                <a:shade val="50000"/>
+              </a:schemeClr>
+            </a:lnRef>
+            <a:fillRef idx="1">
+              <a:schemeClr val="accent1"/>
+            </a:fillRef>
+            <a:effectRef idx="0">
+              <a:schemeClr val="accent1"/>
+            </a:effectRef>
+            <a:fontRef idx="minor">
+              <a:schemeClr val="lt1"/>
+            </a:fontRef>
+          </p:style>
+          <p:txBody>
+            <a:bodyPr rtlCol="0" anchor="ctr"/>
+            <a:lstStyle/>
+            <a:p>
+              <a:pPr algn="ctr"/>
+              <a:endParaRPr lang="en-US">
+                <a:solidFill>
+                  <a:schemeClr val="tx1"/>
+                </a:solidFill>
+              </a:endParaRPr>
+            </a:p>
+          </p:txBody>
+        </p:sp>
+      </p:grpSp>
+      <p:sp>
+        <p:nvSpPr>
+          <p:cNvPr id="32" name="Isosceles Triangle 31"/>
+          <p:cNvSpPr/>
+          <p:nvPr/>
+        </p:nvSpPr>
+        <p:spPr>
+          <a:xfrm rot="15994730">
+            <a:off x="4809921" y="5298777"/>
+            <a:ext cx="1509518" cy="304799"/>
+          </a:xfrm>
+          <a:prstGeom prst="triangle">
+            <a:avLst>
+              <a:gd name="adj" fmla="val 53474"/>
+            </a:avLst>
+          </a:prstGeom>
+          <a:solidFill>
+            <a:srgbClr val="2D567D"/>
+          </a:solidFill>
+          <a:ln>
+            <a:noFill/>
+          </a:ln>
+        </p:spPr>
+        <p:style>
+          <a:lnRef idx="2">
+            <a:schemeClr val="accent1">
+              <a:shade val="50000"/>
+            </a:schemeClr>
+          </a:lnRef>
+          <a:fillRef idx="1">
+            <a:schemeClr val="accent1"/>
+          </a:fillRef>
+          <a:effectRef idx="0">
+            <a:schemeClr val="accent1"/>
+          </a:effectRef>
+          <a:fontRef idx="minor">
+            <a:schemeClr val="lt1"/>
+          </a:fontRef>
+        </p:style>
+        <p:txBody>
+          <a:bodyPr rtlCol="0" anchor="ctr"/>
+          <a:lstStyle/>
+          <a:p>
+            <a:pPr algn="ctr"/>
+            <a:endParaRPr lang="en-US"/>
+          </a:p>
+        </p:txBody>
+      </p:sp>
+      <p:sp>
+        <p:nvSpPr>
+          <p:cNvPr id="33" name="Isosceles Triangle 32"/>
+          <p:cNvSpPr/>
+          <p:nvPr/>
+        </p:nvSpPr>
+        <p:spPr>
+          <a:xfrm rot="5628531" flipH="1">
+            <a:off x="5883466" y="5252617"/>
+            <a:ext cx="1509518" cy="304799"/>
+          </a:xfrm>
+          <a:prstGeom prst="triangle">
+            <a:avLst>
+              <a:gd name="adj" fmla="val 53474"/>
+            </a:avLst>
+          </a:prstGeom>
+          <a:solidFill>
+            <a:srgbClr val="2D567D"/>
+          </a:solidFill>
+          <a:ln>
+            <a:noFill/>
+          </a:ln>
+        </p:spPr>
+        <p:style>
+          <a:lnRef idx="2">
+            <a:schemeClr val="accent1">
+              <a:shade val="50000"/>
+            </a:schemeClr>
+          </a:lnRef>
+          <a:fillRef idx="1">
+            <a:schemeClr val="accent1"/>
+          </a:fillRef>
+          <a:effectRef idx="0">
+            <a:schemeClr val="accent1"/>
+          </a:effectRef>
+          <a:fontRef idx="minor">
+            <a:schemeClr val="lt1"/>
+          </a:fontRef>
+        </p:style>
+        <p:txBody>
+          <a:bodyPr rtlCol="0" anchor="ctr"/>
+          <a:lstStyle/>
+          <a:p>
+            <a:pPr algn="ctr"/>
+            <a:endParaRPr lang="en-US"/>
+          </a:p>
+        </p:txBody>
+      </p:sp>
+      <p:sp>
+        <p:nvSpPr>
+          <p:cNvPr id="5" name="Rectangle 4"/>
+          <p:cNvSpPr/>
+          <p:nvPr/>
+        </p:nvSpPr>
+        <p:spPr>
+          <a:xfrm>
+            <a:off x="6085418" y="1403927"/>
+            <a:ext cx="2419104" cy="4137188"/>
+          </a:xfrm>
+          <a:prstGeom prst="rect">
+            <a:avLst/>
+          </a:prstGeom>
+          <a:solidFill>
+            <a:schemeClr val="tx1">
+              <a:alpha val="16000"/>
+            </a:schemeClr>
+          </a:solidFill>
+          <a:ln>
+            <a:noFill/>
+          </a:ln>
+        </p:spPr>
+        <p:style>
+          <a:lnRef idx="2">
+            <a:schemeClr val="accent1">
+              <a:shade val="50000"/>
+            </a:schemeClr>
+          </a:lnRef>
+          <a:fillRef idx="1">
+            <a:schemeClr val="accent1"/>
+          </a:fillRef>
+          <a:effectRef idx="0">
+            <a:schemeClr val="accent1"/>
+          </a:effectRef>
+          <a:fontRef idx="minor">
+            <a:schemeClr val="lt1"/>
+          </a:fontRef>
+        </p:style>
+        <p:txBody>
+          <a:bodyPr rtlCol="0" anchor="ctr"/>
+          <a:lstStyle/>
+          <a:p>
+            <a:pPr algn="ctr"/>
+            <a:endParaRPr lang="en-US" sz="1688"/>
+          </a:p>
+        </p:txBody>
+      </p:sp>
+      <p:sp>
+        <p:nvSpPr>
+          <p:cNvPr id="6" name="Oval 5"/>
+          <p:cNvSpPr/>
+          <p:nvPr/>
+        </p:nvSpPr>
+        <p:spPr>
+          <a:xfrm>
+            <a:off x="3348758" y="684943"/>
+            <a:ext cx="5494485" cy="5488115"/>
+          </a:xfrm>
+          <a:prstGeom prst="ellipse">
+            <a:avLst/>
+          </a:prstGeom>
+          <a:noFill/>
+          <a:ln w="1270000">
+            <a:solidFill>
+              <a:schemeClr val="bg1"/>
+            </a:solidFill>
+          </a:ln>
+        </p:spPr>
+        <p:style>
+          <a:lnRef idx="2">
+            <a:schemeClr val="accent1">
+              <a:shade val="50000"/>
+            </a:schemeClr>
+          </a:lnRef>
+          <a:fillRef idx="1">
+            <a:schemeClr val="accent1"/>
+          </a:fillRef>
+          <a:effectRef idx="0">
+            <a:schemeClr val="accent1"/>
+          </a:effectRef>
+          <a:fontRef idx="minor">
+            <a:schemeClr val="lt1"/>
+          </a:fontRef>
+        </p:style>
+        <p:txBody>
+          <a:bodyPr rtlCol="0" anchor="ctr"/>
+          <a:lstStyle/>
+          <a:p>
+            <a:pPr algn="ctr"/>
+            <a:endParaRPr lang="en-US" sz="1688"/>
+          </a:p>
+        </p:txBody>
+      </p:sp>
+      <p:sp>
+        <p:nvSpPr>
+          <p:cNvPr id="34" name="Flowchart: Stored Data 33"/>
+          <p:cNvSpPr/>
+          <p:nvPr/>
+        </p:nvSpPr>
+        <p:spPr>
+          <a:xfrm rot="5400000">
+            <a:off x="4692650" y="979980"/>
+            <a:ext cx="2806700" cy="1444326"/>
+          </a:xfrm>
+          <a:prstGeom prst="flowChartOnlineStorage">
+            <a:avLst/>
+          </a:prstGeom>
+          <a:solidFill>
+            <a:srgbClr val="2D567D"/>
+          </a:solidFill>
+          <a:ln>
+            <a:noFill/>
+          </a:ln>
+        </p:spPr>
+        <p:style>
+          <a:lnRef idx="2">
+            <a:schemeClr val="accent1">
+              <a:shade val="50000"/>
+            </a:schemeClr>
+          </a:lnRef>
+          <a:fillRef idx="1">
+            <a:schemeClr val="accent1"/>
+          </a:fillRef>
+          <a:effectRef idx="0">
+            <a:schemeClr val="accent1"/>
+          </a:effectRef>
+          <a:fontRef idx="minor">
+            <a:schemeClr val="lt1"/>
+          </a:fontRef>
+        </p:style>
+        <p:txBody>
+          <a:bodyPr rtlCol="0" anchor="ctr"/>
+          <a:lstStyle/>
+          <a:p>
+            <a:pPr algn="ctr"/>
+            <a:endParaRPr lang="en-US"/>
+          </a:p>
+        </p:txBody>
+      </p:sp>
+    </p:spTree>
+    <p:extLst>
+      <p:ext uri="{BB962C8B-B14F-4D97-AF65-F5344CB8AC3E}">
+        <p14:creationId xmlns:p14="http://schemas.microsoft.com/office/powerpoint/2010/main" val="1478769912"/>
+      </p:ext>
+    </p:extLst>
+  </p:cSld>
+  <p:clrMapOvr>
+    <a:masterClrMapping/>
+  </p:clrMapOvr>
+</p:sld>
+</file>
+
+<file path=ppt/slides/slide13.xml><?xml version="1.0" encoding="utf-8"?>
+<p:sld xmlns:a="http://schemas.openxmlformats.org/drawingml/2006/main" xmlns:r="http://schemas.openxmlformats.org/officeDocument/2006/relationships" xmlns:p="http://schemas.openxmlformats.org/presentationml/2006/main">
+  <p:cSld>
+    <p:spTree>
+      <p:nvGrpSpPr>
+        <p:cNvPr id="1" name=""/>
+        <p:cNvGrpSpPr/>
+        <p:nvPr/>
+      </p:nvGrpSpPr>
+      <p:grpSpPr>
+        <a:xfrm>
+          <a:off x="0" y="0"/>
+          <a:ext cx="0" cy="0"/>
+          <a:chOff x="0" y="0"/>
+          <a:chExt cx="0" cy="0"/>
+        </a:xfrm>
+      </p:grpSpPr>
+      <p:sp>
+        <p:nvSpPr>
+          <p:cNvPr id="3" name="Oval 2"/>
+          <p:cNvSpPr/>
+          <p:nvPr/>
+        </p:nvSpPr>
+        <p:spPr>
+          <a:xfrm>
+            <a:off x="3933891" y="1266891"/>
+            <a:ext cx="4324220" cy="4324220"/>
+          </a:xfrm>
+          <a:prstGeom prst="ellipse">
+            <a:avLst/>
+          </a:prstGeom>
+          <a:solidFill>
+            <a:srgbClr val="FECE66"/>
+          </a:solidFill>
+          <a:ln>
+            <a:noFill/>
+          </a:ln>
+        </p:spPr>
+        <p:style>
+          <a:lnRef idx="2">
+            <a:schemeClr val="accent1">
+              <a:shade val="50000"/>
+            </a:schemeClr>
+          </a:lnRef>
+          <a:fillRef idx="1">
+            <a:schemeClr val="accent1"/>
+          </a:fillRef>
+          <a:effectRef idx="0">
+            <a:schemeClr val="accent1"/>
+          </a:effectRef>
+          <a:fontRef idx="minor">
+            <a:schemeClr val="lt1"/>
+          </a:fontRef>
+        </p:style>
+        <p:txBody>
+          <a:bodyPr rtlCol="0" anchor="ctr"/>
+          <a:lstStyle/>
+          <a:p>
+            <a:pPr algn="ctr"/>
+            <a:endParaRPr lang="en-US" sz="1688" dirty="0"/>
+          </a:p>
+        </p:txBody>
+      </p:sp>
+      <p:sp>
+        <p:nvSpPr>
+          <p:cNvPr id="40" name="Rectangle: Rounded Corners 39"/>
+          <p:cNvSpPr/>
+          <p:nvPr/>
+        </p:nvSpPr>
+        <p:spPr>
+          <a:xfrm rot="16200000">
+            <a:off x="5080449" y="2411028"/>
+            <a:ext cx="2035946" cy="2035946"/>
+          </a:xfrm>
+          <a:prstGeom prst="roundRect">
+            <a:avLst/>
+          </a:prstGeom>
+          <a:solidFill>
+            <a:schemeClr val="tx1">
+              <a:lumMod val="85000"/>
+              <a:lumOff val="15000"/>
+            </a:schemeClr>
+          </a:solidFill>
+          <a:ln>
+            <a:noFill/>
+          </a:ln>
+        </p:spPr>
+        <p:style>
+          <a:lnRef idx="2">
+            <a:schemeClr val="accent1">
+              <a:shade val="50000"/>
+            </a:schemeClr>
+          </a:lnRef>
+          <a:fillRef idx="1">
+            <a:schemeClr val="accent1"/>
+          </a:fillRef>
+          <a:effectRef idx="0">
+            <a:schemeClr val="accent1"/>
+          </a:effectRef>
+          <a:fontRef idx="minor">
+            <a:schemeClr val="lt1"/>
+          </a:fontRef>
+        </p:style>
+        <p:txBody>
+          <a:bodyPr rtlCol="0" anchor="ctr"/>
+          <a:lstStyle/>
+          <a:p>
+            <a:pPr algn="ctr"/>
+            <a:endParaRPr lang="en-US" sz="1688"/>
+          </a:p>
+        </p:txBody>
+      </p:sp>
+      <p:sp>
+        <p:nvSpPr>
+          <p:cNvPr id="5" name="Rectangle 4"/>
+          <p:cNvSpPr/>
+          <p:nvPr/>
+        </p:nvSpPr>
+        <p:spPr>
+          <a:xfrm rot="2700000">
+            <a:off x="5719830" y="2967829"/>
+            <a:ext cx="2421882" cy="2590072"/>
+          </a:xfrm>
+          <a:prstGeom prst="rect">
+            <a:avLst/>
+          </a:prstGeom>
+          <a:solidFill>
+            <a:schemeClr val="tx1">
+              <a:alpha val="16000"/>
+            </a:schemeClr>
+          </a:solidFill>
+          <a:ln>
+            <a:noFill/>
+          </a:ln>
+        </p:spPr>
+        <p:style>
+          <a:lnRef idx="2">
+            <a:schemeClr val="accent1">
+              <a:shade val="50000"/>
+            </a:schemeClr>
+          </a:lnRef>
+          <a:fillRef idx="1">
+            <a:schemeClr val="accent1"/>
+          </a:fillRef>
+          <a:effectRef idx="0">
+            <a:schemeClr val="accent1"/>
+          </a:effectRef>
+          <a:fontRef idx="minor">
+            <a:schemeClr val="lt1"/>
+          </a:fontRef>
+        </p:style>
+        <p:txBody>
+          <a:bodyPr rtlCol="0" anchor="ctr"/>
+          <a:lstStyle/>
+          <a:p>
+            <a:pPr algn="ctr"/>
+            <a:endParaRPr lang="en-US" sz="1688"/>
+          </a:p>
+        </p:txBody>
+      </p:sp>
+      <p:sp>
+        <p:nvSpPr>
+          <p:cNvPr id="6" name="Oval 5"/>
+          <p:cNvSpPr/>
+          <p:nvPr/>
+        </p:nvSpPr>
+        <p:spPr>
+          <a:xfrm>
+            <a:off x="3348758" y="684943"/>
+            <a:ext cx="5494485" cy="5488115"/>
+          </a:xfrm>
+          <a:prstGeom prst="ellipse">
+            <a:avLst/>
+          </a:prstGeom>
+          <a:noFill/>
+          <a:ln w="1270000">
+            <a:solidFill>
+              <a:schemeClr val="bg1"/>
+            </a:solidFill>
+          </a:ln>
+        </p:spPr>
+        <p:style>
+          <a:lnRef idx="2">
+            <a:schemeClr val="accent1">
+              <a:shade val="50000"/>
+            </a:schemeClr>
+          </a:lnRef>
+          <a:fillRef idx="1">
+            <a:schemeClr val="accent1"/>
+          </a:fillRef>
+          <a:effectRef idx="0">
+            <a:schemeClr val="accent1"/>
+          </a:effectRef>
+          <a:fontRef idx="minor">
+            <a:schemeClr val="lt1"/>
+          </a:fontRef>
+        </p:style>
+        <p:txBody>
+          <a:bodyPr rtlCol="0" anchor="ctr"/>
+          <a:lstStyle/>
+          <a:p>
+            <a:pPr algn="ctr"/>
+            <a:endParaRPr lang="en-US" sz="1688"/>
+          </a:p>
+        </p:txBody>
+      </p:sp>
+    </p:spTree>
+    <p:extLst>
+      <p:ext uri="{BB962C8B-B14F-4D97-AF65-F5344CB8AC3E}">
+        <p14:creationId xmlns:p14="http://schemas.microsoft.com/office/powerpoint/2010/main" val="2876405040"/>
+      </p:ext>
+    </p:extLst>
+  </p:cSld>
+  <p:clrMapOvr>
+    <a:masterClrMapping/>
+  </p:clrMapOvr>
+</p:sld>
+</file>
+
 <file path=ppt/slides/slide2.xml><?xml version="1.0" encoding="utf-8"?>
 <p:sld xmlns:a="http://schemas.openxmlformats.org/drawingml/2006/main" xmlns:r="http://schemas.openxmlformats.org/officeDocument/2006/relationships" xmlns:p="http://schemas.openxmlformats.org/presentationml/2006/main">
   <p:cSld>
-    <p:bg>
-      <p:bgPr>
-        <a:solidFill>
-          <a:schemeClr val="bg1">
-            <a:lumMod val="50000"/>
-          </a:schemeClr>
-        </a:solidFill>
-        <a:effectLst/>
-      </p:bgPr>
-    </p:bg>
     <p:spTree>
       <p:nvGrpSpPr>
         <p:cNvPr id="1" name=""/>
@@ -7330,16 +9259,6 @@
 <file path=ppt/slides/slide3.xml><?xml version="1.0" encoding="utf-8"?>
 <p:sld xmlns:a="http://schemas.openxmlformats.org/drawingml/2006/main" xmlns:r="http://schemas.openxmlformats.org/officeDocument/2006/relationships" xmlns:p="http://schemas.openxmlformats.org/presentationml/2006/main">
   <p:cSld>
-    <p:bg>
-      <p:bgPr>
-        <a:solidFill>
-          <a:schemeClr val="bg1">
-            <a:lumMod val="50000"/>
-          </a:schemeClr>
-        </a:solidFill>
-        <a:effectLst/>
-      </p:bgPr>
-    </p:bg>
     <p:spTree>
       <p:nvGrpSpPr>
         <p:cNvPr id="1" name=""/>
@@ -7559,16 +9478,6 @@
 <file path=ppt/slides/slide4.xml><?xml version="1.0" encoding="utf-8"?>
 <p:sld xmlns:a="http://schemas.openxmlformats.org/drawingml/2006/main" xmlns:r="http://schemas.openxmlformats.org/officeDocument/2006/relationships" xmlns:p="http://schemas.openxmlformats.org/presentationml/2006/main">
   <p:cSld>
-    <p:bg>
-      <p:bgPr>
-        <a:solidFill>
-          <a:schemeClr val="bg1">
-            <a:lumMod val="50000"/>
-          </a:schemeClr>
-        </a:solidFill>
-        <a:effectLst/>
-      </p:bgPr>
-    </p:bg>
     <p:spTree>
       <p:nvGrpSpPr>
         <p:cNvPr id="1" name=""/>
@@ -8922,16 +10831,6 @@
 <file path=ppt/slides/slide5.xml><?xml version="1.0" encoding="utf-8"?>
 <p:sld xmlns:a="http://schemas.openxmlformats.org/drawingml/2006/main" xmlns:r="http://schemas.openxmlformats.org/officeDocument/2006/relationships" xmlns:p="http://schemas.openxmlformats.org/presentationml/2006/main">
   <p:cSld>
-    <p:bg>
-      <p:bgPr>
-        <a:solidFill>
-          <a:schemeClr val="bg1">
-            <a:lumMod val="50000"/>
-          </a:schemeClr>
-        </a:solidFill>
-        <a:effectLst/>
-      </p:bgPr>
-    </p:bg>
     <p:spTree>
       <p:nvGrpSpPr>
         <p:cNvPr id="1" name=""/>
@@ -10270,16 +12169,6 @@
 <file path=ppt/slides/slide6.xml><?xml version="1.0" encoding="utf-8"?>
 <p:sld xmlns:a="http://schemas.openxmlformats.org/drawingml/2006/main" xmlns:r="http://schemas.openxmlformats.org/officeDocument/2006/relationships" xmlns:p="http://schemas.openxmlformats.org/presentationml/2006/main">
   <p:cSld>
-    <p:bg>
-      <p:bgPr>
-        <a:solidFill>
-          <a:schemeClr val="bg1">
-            <a:lumMod val="50000"/>
-          </a:schemeClr>
-        </a:solidFill>
-        <a:effectLst/>
-      </p:bgPr>
-    </p:bg>
     <p:spTree>
       <p:nvGrpSpPr>
         <p:cNvPr id="1" name=""/>
@@ -11635,16 +13524,6 @@
 <file path=ppt/slides/slide7.xml><?xml version="1.0" encoding="utf-8"?>
 <p:sld xmlns:a="http://schemas.openxmlformats.org/drawingml/2006/main" xmlns:r="http://schemas.openxmlformats.org/officeDocument/2006/relationships" xmlns:p="http://schemas.openxmlformats.org/presentationml/2006/main">
   <p:cSld>
-    <p:bg>
-      <p:bgPr>
-        <a:solidFill>
-          <a:schemeClr val="bg1">
-            <a:lumMod val="50000"/>
-          </a:schemeClr>
-        </a:solidFill>
-        <a:effectLst/>
-      </p:bgPr>
-    </p:bg>
     <p:spTree>
       <p:nvGrpSpPr>
         <p:cNvPr id="1" name=""/>
@@ -12018,16 +13897,6 @@
 <file path=ppt/slides/slide8.xml><?xml version="1.0" encoding="utf-8"?>
 <p:sld xmlns:a="http://schemas.openxmlformats.org/drawingml/2006/main" xmlns:r="http://schemas.openxmlformats.org/officeDocument/2006/relationships" xmlns:p="http://schemas.openxmlformats.org/presentationml/2006/main">
   <p:cSld>
-    <p:bg>
-      <p:bgPr>
-        <a:solidFill>
-          <a:schemeClr val="bg1">
-            <a:lumMod val="50000"/>
-          </a:schemeClr>
-        </a:solidFill>
-        <a:effectLst/>
-      </p:bgPr>
-    </p:bg>
     <p:spTree>
       <p:nvGrpSpPr>
         <p:cNvPr id="1" name=""/>
@@ -12705,16 +14574,6 @@
 <file path=ppt/slides/slide9.xml><?xml version="1.0" encoding="utf-8"?>
 <p:sld xmlns:a="http://schemas.openxmlformats.org/drawingml/2006/main" xmlns:r="http://schemas.openxmlformats.org/officeDocument/2006/relationships" xmlns:p="http://schemas.openxmlformats.org/presentationml/2006/main">
   <p:cSld>
-    <p:bg>
-      <p:bgPr>
-        <a:solidFill>
-          <a:schemeClr val="bg1">
-            <a:lumMod val="50000"/>
-          </a:schemeClr>
-        </a:solidFill>
-        <a:effectLst/>
-      </p:bgPr>
-    </p:bg>
     <p:spTree>
       <p:nvGrpSpPr>
         <p:cNvPr id="1" name=""/>

--- a/Icons.pptx
+++ b/Icons.pptx
@@ -4,6 +4,9 @@
   <p:sldMasterIdLst>
     <p:sldMasterId id="2147483648" r:id="rId1"/>
   </p:sldMasterIdLst>
+  <p:notesMasterIdLst>
+    <p:notesMasterId r:id="rId15"/>
+  </p:notesMasterIdLst>
   <p:sldIdLst>
     <p:sldId id="256" r:id="rId2"/>
     <p:sldId id="257" r:id="rId3"/>
@@ -122,6 +125,1317 @@
     </p:ext>
   </p:extLst>
 </p:presentation>
+</file>
+
+<file path=ppt/notesMasters/notesMaster1.xml><?xml version="1.0" encoding="utf-8"?>
+<p:notesMaster xmlns:a="http://schemas.openxmlformats.org/drawingml/2006/main" xmlns:r="http://schemas.openxmlformats.org/officeDocument/2006/relationships" xmlns:p="http://schemas.openxmlformats.org/presentationml/2006/main">
+  <p:cSld>
+    <p:bg>
+      <p:bgRef idx="1001">
+        <a:schemeClr val="bg1"/>
+      </p:bgRef>
+    </p:bg>
+    <p:spTree>
+      <p:nvGrpSpPr>
+        <p:cNvPr id="1" name=""/>
+        <p:cNvGrpSpPr/>
+        <p:nvPr/>
+      </p:nvGrpSpPr>
+      <p:grpSpPr>
+        <a:xfrm>
+          <a:off x="0" y="0"/>
+          <a:ext cx="0" cy="0"/>
+          <a:chOff x="0" y="0"/>
+          <a:chExt cx="0" cy="0"/>
+        </a:xfrm>
+      </p:grpSpPr>
+      <p:sp>
+        <p:nvSpPr>
+          <p:cNvPr id="2" name="Header Placeholder 1"/>
+          <p:cNvSpPr>
+            <a:spLocks noGrp="1"/>
+          </p:cNvSpPr>
+          <p:nvPr>
+            <p:ph type="hdr" sz="quarter"/>
+          </p:nvPr>
+        </p:nvSpPr>
+        <p:spPr>
+          <a:xfrm>
+            <a:off x="0" y="0"/>
+            <a:ext cx="2971800" cy="458788"/>
+          </a:xfrm>
+          <a:prstGeom prst="rect">
+            <a:avLst/>
+          </a:prstGeom>
+        </p:spPr>
+        <p:txBody>
+          <a:bodyPr vert="horz" lIns="91440" tIns="45720" rIns="91440" bIns="45720" rtlCol="0"/>
+          <a:lstStyle>
+            <a:lvl1pPr algn="l">
+              <a:defRPr sz="1200"/>
+            </a:lvl1pPr>
+          </a:lstStyle>
+          <a:p>
+            <a:endParaRPr lang="en-US"/>
+          </a:p>
+        </p:txBody>
+      </p:sp>
+      <p:sp>
+        <p:nvSpPr>
+          <p:cNvPr id="3" name="Date Placeholder 2"/>
+          <p:cNvSpPr>
+            <a:spLocks noGrp="1"/>
+          </p:cNvSpPr>
+          <p:nvPr>
+            <p:ph type="dt" idx="1"/>
+          </p:nvPr>
+        </p:nvSpPr>
+        <p:spPr>
+          <a:xfrm>
+            <a:off x="3884613" y="0"/>
+            <a:ext cx="2971800" cy="458788"/>
+          </a:xfrm>
+          <a:prstGeom prst="rect">
+            <a:avLst/>
+          </a:prstGeom>
+        </p:spPr>
+        <p:txBody>
+          <a:bodyPr vert="horz" lIns="91440" tIns="45720" rIns="91440" bIns="45720" rtlCol="0"/>
+          <a:lstStyle>
+            <a:lvl1pPr algn="r">
+              <a:defRPr sz="1200"/>
+            </a:lvl1pPr>
+          </a:lstStyle>
+          <a:p>
+            <a:fld id="{10E1040E-EC28-49EC-AFDA-AB521F9F0BC4}" type="datetimeFigureOut">
+              <a:rPr lang="en-US" smtClean="0"/>
+              <a:t>3/19/2017</a:t>
+            </a:fld>
+            <a:endParaRPr lang="en-US"/>
+          </a:p>
+        </p:txBody>
+      </p:sp>
+      <p:sp>
+        <p:nvSpPr>
+          <p:cNvPr id="4" name="Slide Image Placeholder 3"/>
+          <p:cNvSpPr>
+            <a:spLocks noGrp="1" noRot="1" noChangeAspect="1"/>
+          </p:cNvSpPr>
+          <p:nvPr>
+            <p:ph type="sldImg" idx="2"/>
+          </p:nvPr>
+        </p:nvSpPr>
+        <p:spPr>
+          <a:xfrm>
+            <a:off x="685800" y="1143000"/>
+            <a:ext cx="5486400" cy="3086100"/>
+          </a:xfrm>
+          <a:prstGeom prst="rect">
+            <a:avLst/>
+          </a:prstGeom>
+          <a:noFill/>
+          <a:ln w="12700">
+            <a:solidFill>
+              <a:prstClr val="black"/>
+            </a:solidFill>
+          </a:ln>
+        </p:spPr>
+        <p:txBody>
+          <a:bodyPr vert="horz" lIns="91440" tIns="45720" rIns="91440" bIns="45720" rtlCol="0" anchor="ctr"/>
+          <a:lstStyle/>
+          <a:p>
+            <a:endParaRPr lang="en-US"/>
+          </a:p>
+        </p:txBody>
+      </p:sp>
+      <p:sp>
+        <p:nvSpPr>
+          <p:cNvPr id="5" name="Notes Placeholder 4"/>
+          <p:cNvSpPr>
+            <a:spLocks noGrp="1"/>
+          </p:cNvSpPr>
+          <p:nvPr>
+            <p:ph type="body" sz="quarter" idx="3"/>
+          </p:nvPr>
+        </p:nvSpPr>
+        <p:spPr>
+          <a:xfrm>
+            <a:off x="685800" y="4400550"/>
+            <a:ext cx="5486400" cy="3600450"/>
+          </a:xfrm>
+          <a:prstGeom prst="rect">
+            <a:avLst/>
+          </a:prstGeom>
+        </p:spPr>
+        <p:txBody>
+          <a:bodyPr vert="horz" lIns="91440" tIns="45720" rIns="91440" bIns="45720" rtlCol="0"/>
+          <a:lstStyle/>
+          <a:p>
+            <a:pPr lvl="0"/>
+            <a:r>
+              <a:rPr lang="en-US"/>
+              <a:t>Edit Master text styles</a:t>
+            </a:r>
+          </a:p>
+          <a:p>
+            <a:pPr lvl="1"/>
+            <a:r>
+              <a:rPr lang="en-US"/>
+              <a:t>Second level</a:t>
+            </a:r>
+          </a:p>
+          <a:p>
+            <a:pPr lvl="2"/>
+            <a:r>
+              <a:rPr lang="en-US"/>
+              <a:t>Third level</a:t>
+            </a:r>
+          </a:p>
+          <a:p>
+            <a:pPr lvl="3"/>
+            <a:r>
+              <a:rPr lang="en-US"/>
+              <a:t>Fourth level</a:t>
+            </a:r>
+          </a:p>
+          <a:p>
+            <a:pPr lvl="4"/>
+            <a:r>
+              <a:rPr lang="en-US"/>
+              <a:t>Fifth level</a:t>
+            </a:r>
+            <a:endParaRPr lang="en-US"/>
+          </a:p>
+        </p:txBody>
+      </p:sp>
+      <p:sp>
+        <p:nvSpPr>
+          <p:cNvPr id="6" name="Footer Placeholder 5"/>
+          <p:cNvSpPr>
+            <a:spLocks noGrp="1"/>
+          </p:cNvSpPr>
+          <p:nvPr>
+            <p:ph type="ftr" sz="quarter" idx="4"/>
+          </p:nvPr>
+        </p:nvSpPr>
+        <p:spPr>
+          <a:xfrm>
+            <a:off x="0" y="8685213"/>
+            <a:ext cx="2971800" cy="458787"/>
+          </a:xfrm>
+          <a:prstGeom prst="rect">
+            <a:avLst/>
+          </a:prstGeom>
+        </p:spPr>
+        <p:txBody>
+          <a:bodyPr vert="horz" lIns="91440" tIns="45720" rIns="91440" bIns="45720" rtlCol="0" anchor="b"/>
+          <a:lstStyle>
+            <a:lvl1pPr algn="l">
+              <a:defRPr sz="1200"/>
+            </a:lvl1pPr>
+          </a:lstStyle>
+          <a:p>
+            <a:endParaRPr lang="en-US"/>
+          </a:p>
+        </p:txBody>
+      </p:sp>
+      <p:sp>
+        <p:nvSpPr>
+          <p:cNvPr id="7" name="Slide Number Placeholder 6"/>
+          <p:cNvSpPr>
+            <a:spLocks noGrp="1"/>
+          </p:cNvSpPr>
+          <p:nvPr>
+            <p:ph type="sldNum" sz="quarter" idx="5"/>
+          </p:nvPr>
+        </p:nvSpPr>
+        <p:spPr>
+          <a:xfrm>
+            <a:off x="3884613" y="8685213"/>
+            <a:ext cx="2971800" cy="458787"/>
+          </a:xfrm>
+          <a:prstGeom prst="rect">
+            <a:avLst/>
+          </a:prstGeom>
+        </p:spPr>
+        <p:txBody>
+          <a:bodyPr vert="horz" lIns="91440" tIns="45720" rIns="91440" bIns="45720" rtlCol="0" anchor="b"/>
+          <a:lstStyle>
+            <a:lvl1pPr algn="r">
+              <a:defRPr sz="1200"/>
+            </a:lvl1pPr>
+          </a:lstStyle>
+          <a:p>
+            <a:fld id="{51A63F63-9F63-470B-BC39-946BB192FF28}" type="slidenum">
+              <a:rPr lang="en-US" smtClean="0"/>
+              <a:t>‹#›</a:t>
+            </a:fld>
+            <a:endParaRPr lang="en-US"/>
+          </a:p>
+        </p:txBody>
+      </p:sp>
+    </p:spTree>
+    <p:extLst>
+      <p:ext uri="{BB962C8B-B14F-4D97-AF65-F5344CB8AC3E}">
+        <p14:creationId xmlns:p14="http://schemas.microsoft.com/office/powerpoint/2010/main" val="1869891521"/>
+      </p:ext>
+    </p:extLst>
+  </p:cSld>
+  <p:clrMap bg1="lt1" tx1="dk1" bg2="lt2" tx2="dk2" accent1="accent1" accent2="accent2" accent3="accent3" accent4="accent4" accent5="accent5" accent6="accent6" hlink="hlink" folHlink="folHlink"/>
+  <p:notesStyle>
+    <a:lvl1pPr marL="0" algn="l" defTabSz="914400" rtl="0" eaLnBrk="1" latinLnBrk="0" hangingPunct="1">
+      <a:defRPr sz="1200" kern="1200">
+        <a:solidFill>
+          <a:schemeClr val="tx1"/>
+        </a:solidFill>
+        <a:latin typeface="+mn-lt"/>
+        <a:ea typeface="+mn-ea"/>
+        <a:cs typeface="+mn-cs"/>
+      </a:defRPr>
+    </a:lvl1pPr>
+    <a:lvl2pPr marL="457200" algn="l" defTabSz="914400" rtl="0" eaLnBrk="1" latinLnBrk="0" hangingPunct="1">
+      <a:defRPr sz="1200" kern="1200">
+        <a:solidFill>
+          <a:schemeClr val="tx1"/>
+        </a:solidFill>
+        <a:latin typeface="+mn-lt"/>
+        <a:ea typeface="+mn-ea"/>
+        <a:cs typeface="+mn-cs"/>
+      </a:defRPr>
+    </a:lvl2pPr>
+    <a:lvl3pPr marL="914400" algn="l" defTabSz="914400" rtl="0" eaLnBrk="1" latinLnBrk="0" hangingPunct="1">
+      <a:defRPr sz="1200" kern="1200">
+        <a:solidFill>
+          <a:schemeClr val="tx1"/>
+        </a:solidFill>
+        <a:latin typeface="+mn-lt"/>
+        <a:ea typeface="+mn-ea"/>
+        <a:cs typeface="+mn-cs"/>
+      </a:defRPr>
+    </a:lvl3pPr>
+    <a:lvl4pPr marL="1371600" algn="l" defTabSz="914400" rtl="0" eaLnBrk="1" latinLnBrk="0" hangingPunct="1">
+      <a:defRPr sz="1200" kern="1200">
+        <a:solidFill>
+          <a:schemeClr val="tx1"/>
+        </a:solidFill>
+        <a:latin typeface="+mn-lt"/>
+        <a:ea typeface="+mn-ea"/>
+        <a:cs typeface="+mn-cs"/>
+      </a:defRPr>
+    </a:lvl4pPr>
+    <a:lvl5pPr marL="1828800" algn="l" defTabSz="914400" rtl="0" eaLnBrk="1" latinLnBrk="0" hangingPunct="1">
+      <a:defRPr sz="1200" kern="1200">
+        <a:solidFill>
+          <a:schemeClr val="tx1"/>
+        </a:solidFill>
+        <a:latin typeface="+mn-lt"/>
+        <a:ea typeface="+mn-ea"/>
+        <a:cs typeface="+mn-cs"/>
+      </a:defRPr>
+    </a:lvl5pPr>
+    <a:lvl6pPr marL="2286000" algn="l" defTabSz="914400" rtl="0" eaLnBrk="1" latinLnBrk="0" hangingPunct="1">
+      <a:defRPr sz="1200" kern="1200">
+        <a:solidFill>
+          <a:schemeClr val="tx1"/>
+        </a:solidFill>
+        <a:latin typeface="+mn-lt"/>
+        <a:ea typeface="+mn-ea"/>
+        <a:cs typeface="+mn-cs"/>
+      </a:defRPr>
+    </a:lvl6pPr>
+    <a:lvl7pPr marL="2743200" algn="l" defTabSz="914400" rtl="0" eaLnBrk="1" latinLnBrk="0" hangingPunct="1">
+      <a:defRPr sz="1200" kern="1200">
+        <a:solidFill>
+          <a:schemeClr val="tx1"/>
+        </a:solidFill>
+        <a:latin typeface="+mn-lt"/>
+        <a:ea typeface="+mn-ea"/>
+        <a:cs typeface="+mn-cs"/>
+      </a:defRPr>
+    </a:lvl7pPr>
+    <a:lvl8pPr marL="3200400" algn="l" defTabSz="914400" rtl="0" eaLnBrk="1" latinLnBrk="0" hangingPunct="1">
+      <a:defRPr sz="1200" kern="1200">
+        <a:solidFill>
+          <a:schemeClr val="tx1"/>
+        </a:solidFill>
+        <a:latin typeface="+mn-lt"/>
+        <a:ea typeface="+mn-ea"/>
+        <a:cs typeface="+mn-cs"/>
+      </a:defRPr>
+    </a:lvl8pPr>
+    <a:lvl9pPr marL="3657600" algn="l" defTabSz="914400" rtl="0" eaLnBrk="1" latinLnBrk="0" hangingPunct="1">
+      <a:defRPr sz="1200" kern="1200">
+        <a:solidFill>
+          <a:schemeClr val="tx1"/>
+        </a:solidFill>
+        <a:latin typeface="+mn-lt"/>
+        <a:ea typeface="+mn-ea"/>
+        <a:cs typeface="+mn-cs"/>
+      </a:defRPr>
+    </a:lvl9pPr>
+  </p:notesStyle>
+</p:notesMaster>
+</file>
+
+<file path=ppt/notesSlides/notesSlide1.xml><?xml version="1.0" encoding="utf-8"?>
+<p:notes xmlns:a="http://schemas.openxmlformats.org/drawingml/2006/main" xmlns:r="http://schemas.openxmlformats.org/officeDocument/2006/relationships" xmlns:p="http://schemas.openxmlformats.org/presentationml/2006/main">
+  <p:cSld>
+    <p:spTree>
+      <p:nvGrpSpPr>
+        <p:cNvPr id="1" name=""/>
+        <p:cNvGrpSpPr/>
+        <p:nvPr/>
+      </p:nvGrpSpPr>
+      <p:grpSpPr>
+        <a:xfrm>
+          <a:off x="0" y="0"/>
+          <a:ext cx="0" cy="0"/>
+          <a:chOff x="0" y="0"/>
+          <a:chExt cx="0" cy="0"/>
+        </a:xfrm>
+      </p:grpSpPr>
+      <p:sp>
+        <p:nvSpPr>
+          <p:cNvPr id="2" name="Slide Image Placeholder 1"/>
+          <p:cNvSpPr>
+            <a:spLocks noGrp="1" noRot="1" noChangeAspect="1"/>
+          </p:cNvSpPr>
+          <p:nvPr>
+            <p:ph type="sldImg"/>
+          </p:nvPr>
+        </p:nvSpPr>
+        <p:spPr/>
+      </p:sp>
+      <p:sp>
+        <p:nvSpPr>
+          <p:cNvPr id="3" name="Notes Placeholder 2"/>
+          <p:cNvSpPr>
+            <a:spLocks noGrp="1"/>
+          </p:cNvSpPr>
+          <p:nvPr>
+            <p:ph type="body" idx="1"/>
+          </p:nvPr>
+        </p:nvSpPr>
+        <p:spPr/>
+        <p:txBody>
+          <a:bodyPr/>
+          <a:lstStyle/>
+          <a:p>
+            <a:r>
+              <a:rPr lang="en-US" dirty="0"/>
+              <a:t>FPGA</a:t>
+            </a:r>
+          </a:p>
+        </p:txBody>
+      </p:sp>
+      <p:sp>
+        <p:nvSpPr>
+          <p:cNvPr id="4" name="Slide Number Placeholder 3"/>
+          <p:cNvSpPr>
+            <a:spLocks noGrp="1"/>
+          </p:cNvSpPr>
+          <p:nvPr>
+            <p:ph type="sldNum" sz="quarter" idx="10"/>
+          </p:nvPr>
+        </p:nvSpPr>
+        <p:spPr/>
+        <p:txBody>
+          <a:bodyPr/>
+          <a:lstStyle/>
+          <a:p>
+            <a:fld id="{51A63F63-9F63-470B-BC39-946BB192FF28}" type="slidenum">
+              <a:rPr lang="en-US" smtClean="0"/>
+              <a:t>1</a:t>
+            </a:fld>
+            <a:endParaRPr lang="en-US"/>
+          </a:p>
+        </p:txBody>
+      </p:sp>
+    </p:spTree>
+    <p:extLst>
+      <p:ext uri="{BB962C8B-B14F-4D97-AF65-F5344CB8AC3E}">
+        <p14:creationId xmlns:p14="http://schemas.microsoft.com/office/powerpoint/2010/main" val="2616775780"/>
+      </p:ext>
+    </p:extLst>
+  </p:cSld>
+  <p:clrMapOvr>
+    <a:masterClrMapping/>
+  </p:clrMapOvr>
+</p:notes>
+</file>
+
+<file path=ppt/notesSlides/notesSlide10.xml><?xml version="1.0" encoding="utf-8"?>
+<p:notes xmlns:a="http://schemas.openxmlformats.org/drawingml/2006/main" xmlns:r="http://schemas.openxmlformats.org/officeDocument/2006/relationships" xmlns:p="http://schemas.openxmlformats.org/presentationml/2006/main">
+  <p:cSld>
+    <p:spTree>
+      <p:nvGrpSpPr>
+        <p:cNvPr id="1" name=""/>
+        <p:cNvGrpSpPr/>
+        <p:nvPr/>
+      </p:nvGrpSpPr>
+      <p:grpSpPr>
+        <a:xfrm>
+          <a:off x="0" y="0"/>
+          <a:ext cx="0" cy="0"/>
+          <a:chOff x="0" y="0"/>
+          <a:chExt cx="0" cy="0"/>
+        </a:xfrm>
+      </p:grpSpPr>
+      <p:sp>
+        <p:nvSpPr>
+          <p:cNvPr id="2" name="Slide Image Placeholder 1"/>
+          <p:cNvSpPr>
+            <a:spLocks noGrp="1" noRot="1" noChangeAspect="1"/>
+          </p:cNvSpPr>
+          <p:nvPr>
+            <p:ph type="sldImg"/>
+          </p:nvPr>
+        </p:nvSpPr>
+        <p:spPr/>
+      </p:sp>
+      <p:sp>
+        <p:nvSpPr>
+          <p:cNvPr id="3" name="Notes Placeholder 2"/>
+          <p:cNvSpPr>
+            <a:spLocks noGrp="1"/>
+          </p:cNvSpPr>
+          <p:nvPr>
+            <p:ph type="body" idx="1"/>
+          </p:nvPr>
+        </p:nvSpPr>
+        <p:spPr/>
+        <p:txBody>
+          <a:bodyPr/>
+          <a:lstStyle/>
+          <a:p>
+            <a:r>
+              <a:rPr lang="en-US" dirty="0">
+                <a:sym typeface="Wingdings" panose="05000000000000000000" pitchFamily="2" charset="2"/>
+              </a:rPr>
+              <a:t></a:t>
+            </a:r>
+            <a:endParaRPr lang="en-US" dirty="0"/>
+          </a:p>
+        </p:txBody>
+      </p:sp>
+      <p:sp>
+        <p:nvSpPr>
+          <p:cNvPr id="4" name="Slide Number Placeholder 3"/>
+          <p:cNvSpPr>
+            <a:spLocks noGrp="1"/>
+          </p:cNvSpPr>
+          <p:nvPr>
+            <p:ph type="sldNum" sz="quarter" idx="10"/>
+          </p:nvPr>
+        </p:nvSpPr>
+        <p:spPr/>
+        <p:txBody>
+          <a:bodyPr/>
+          <a:lstStyle/>
+          <a:p>
+            <a:fld id="{51A63F63-9F63-470B-BC39-946BB192FF28}" type="slidenum">
+              <a:rPr lang="en-US" smtClean="0"/>
+              <a:t>12</a:t>
+            </a:fld>
+            <a:endParaRPr lang="en-US"/>
+          </a:p>
+        </p:txBody>
+      </p:sp>
+    </p:spTree>
+    <p:extLst>
+      <p:ext uri="{BB962C8B-B14F-4D97-AF65-F5344CB8AC3E}">
+        <p14:creationId xmlns:p14="http://schemas.microsoft.com/office/powerpoint/2010/main" val="343025760"/>
+      </p:ext>
+    </p:extLst>
+  </p:cSld>
+  <p:clrMapOvr>
+    <a:masterClrMapping/>
+  </p:clrMapOvr>
+</p:notes>
+</file>
+
+<file path=ppt/notesSlides/notesSlide11.xml><?xml version="1.0" encoding="utf-8"?>
+<p:notes xmlns:a="http://schemas.openxmlformats.org/drawingml/2006/main" xmlns:r="http://schemas.openxmlformats.org/officeDocument/2006/relationships" xmlns:p="http://schemas.openxmlformats.org/presentationml/2006/main">
+  <p:cSld>
+    <p:spTree>
+      <p:nvGrpSpPr>
+        <p:cNvPr id="1" name=""/>
+        <p:cNvGrpSpPr/>
+        <p:nvPr/>
+      </p:nvGrpSpPr>
+      <p:grpSpPr>
+        <a:xfrm>
+          <a:off x="0" y="0"/>
+          <a:ext cx="0" cy="0"/>
+          <a:chOff x="0" y="0"/>
+          <a:chExt cx="0" cy="0"/>
+        </a:xfrm>
+      </p:grpSpPr>
+      <p:sp>
+        <p:nvSpPr>
+          <p:cNvPr id="2" name="Slide Image Placeholder 1"/>
+          <p:cNvSpPr>
+            <a:spLocks noGrp="1" noRot="1" noChangeAspect="1"/>
+          </p:cNvSpPr>
+          <p:nvPr>
+            <p:ph type="sldImg"/>
+          </p:nvPr>
+        </p:nvSpPr>
+        <p:spPr/>
+      </p:sp>
+      <p:sp>
+        <p:nvSpPr>
+          <p:cNvPr id="3" name="Notes Placeholder 2"/>
+          <p:cNvSpPr>
+            <a:spLocks noGrp="1"/>
+          </p:cNvSpPr>
+          <p:nvPr>
+            <p:ph type="body" idx="1"/>
+          </p:nvPr>
+        </p:nvSpPr>
+        <p:spPr/>
+        <p:txBody>
+          <a:bodyPr/>
+          <a:lstStyle/>
+          <a:p>
+            <a:r>
+              <a:rPr lang="en-US" dirty="0"/>
+              <a:t>Template</a:t>
+            </a:r>
+          </a:p>
+        </p:txBody>
+      </p:sp>
+      <p:sp>
+        <p:nvSpPr>
+          <p:cNvPr id="4" name="Slide Number Placeholder 3"/>
+          <p:cNvSpPr>
+            <a:spLocks noGrp="1"/>
+          </p:cNvSpPr>
+          <p:nvPr>
+            <p:ph type="sldNum" sz="quarter" idx="10"/>
+          </p:nvPr>
+        </p:nvSpPr>
+        <p:spPr/>
+        <p:txBody>
+          <a:bodyPr/>
+          <a:lstStyle/>
+          <a:p>
+            <a:fld id="{51A63F63-9F63-470B-BC39-946BB192FF28}" type="slidenum">
+              <a:rPr lang="en-US" smtClean="0"/>
+              <a:t>13</a:t>
+            </a:fld>
+            <a:endParaRPr lang="en-US"/>
+          </a:p>
+        </p:txBody>
+      </p:sp>
+    </p:spTree>
+    <p:extLst>
+      <p:ext uri="{BB962C8B-B14F-4D97-AF65-F5344CB8AC3E}">
+        <p14:creationId xmlns:p14="http://schemas.microsoft.com/office/powerpoint/2010/main" val="2032619034"/>
+      </p:ext>
+    </p:extLst>
+  </p:cSld>
+  <p:clrMapOvr>
+    <a:masterClrMapping/>
+  </p:clrMapOvr>
+</p:notes>
+</file>
+
+<file path=ppt/notesSlides/notesSlide2.xml><?xml version="1.0" encoding="utf-8"?>
+<p:notes xmlns:a="http://schemas.openxmlformats.org/drawingml/2006/main" xmlns:r="http://schemas.openxmlformats.org/officeDocument/2006/relationships" xmlns:p="http://schemas.openxmlformats.org/presentationml/2006/main">
+  <p:cSld>
+    <p:spTree>
+      <p:nvGrpSpPr>
+        <p:cNvPr id="1" name=""/>
+        <p:cNvGrpSpPr/>
+        <p:nvPr/>
+      </p:nvGrpSpPr>
+      <p:grpSpPr>
+        <a:xfrm>
+          <a:off x="0" y="0"/>
+          <a:ext cx="0" cy="0"/>
+          <a:chOff x="0" y="0"/>
+          <a:chExt cx="0" cy="0"/>
+        </a:xfrm>
+      </p:grpSpPr>
+      <p:sp>
+        <p:nvSpPr>
+          <p:cNvPr id="2" name="Slide Image Placeholder 1"/>
+          <p:cNvSpPr>
+            <a:spLocks noGrp="1" noRot="1" noChangeAspect="1"/>
+          </p:cNvSpPr>
+          <p:nvPr>
+            <p:ph type="sldImg"/>
+          </p:nvPr>
+        </p:nvSpPr>
+        <p:spPr/>
+      </p:sp>
+      <p:sp>
+        <p:nvSpPr>
+          <p:cNvPr id="3" name="Notes Placeholder 2"/>
+          <p:cNvSpPr>
+            <a:spLocks noGrp="1"/>
+          </p:cNvSpPr>
+          <p:nvPr>
+            <p:ph type="body" idx="1"/>
+          </p:nvPr>
+        </p:nvSpPr>
+        <p:spPr/>
+        <p:txBody>
+          <a:bodyPr/>
+          <a:lstStyle/>
+          <a:p>
+            <a:r>
+              <a:rPr lang="en-US" dirty="0"/>
+              <a:t>Xaar128_1</a:t>
+            </a:r>
+          </a:p>
+        </p:txBody>
+      </p:sp>
+      <p:sp>
+        <p:nvSpPr>
+          <p:cNvPr id="4" name="Slide Number Placeholder 3"/>
+          <p:cNvSpPr>
+            <a:spLocks noGrp="1"/>
+          </p:cNvSpPr>
+          <p:nvPr>
+            <p:ph type="sldNum" sz="quarter" idx="10"/>
+          </p:nvPr>
+        </p:nvSpPr>
+        <p:spPr/>
+        <p:txBody>
+          <a:bodyPr/>
+          <a:lstStyle/>
+          <a:p>
+            <a:fld id="{51A63F63-9F63-470B-BC39-946BB192FF28}" type="slidenum">
+              <a:rPr lang="en-US" smtClean="0"/>
+              <a:t>4</a:t>
+            </a:fld>
+            <a:endParaRPr lang="en-US"/>
+          </a:p>
+        </p:txBody>
+      </p:sp>
+    </p:spTree>
+    <p:extLst>
+      <p:ext uri="{BB962C8B-B14F-4D97-AF65-F5344CB8AC3E}">
+        <p14:creationId xmlns:p14="http://schemas.microsoft.com/office/powerpoint/2010/main" val="3527798237"/>
+      </p:ext>
+    </p:extLst>
+  </p:cSld>
+  <p:clrMapOvr>
+    <a:masterClrMapping/>
+  </p:clrMapOvr>
+</p:notes>
+</file>
+
+<file path=ppt/notesSlides/notesSlide3.xml><?xml version="1.0" encoding="utf-8"?>
+<p:notes xmlns:a="http://schemas.openxmlformats.org/drawingml/2006/main" xmlns:r="http://schemas.openxmlformats.org/officeDocument/2006/relationships" xmlns:p="http://schemas.openxmlformats.org/presentationml/2006/main">
+  <p:cSld>
+    <p:spTree>
+      <p:nvGrpSpPr>
+        <p:cNvPr id="1" name=""/>
+        <p:cNvGrpSpPr/>
+        <p:nvPr/>
+      </p:nvGrpSpPr>
+      <p:grpSpPr>
+        <a:xfrm>
+          <a:off x="0" y="0"/>
+          <a:ext cx="0" cy="0"/>
+          <a:chOff x="0" y="0"/>
+          <a:chExt cx="0" cy="0"/>
+        </a:xfrm>
+      </p:grpSpPr>
+      <p:sp>
+        <p:nvSpPr>
+          <p:cNvPr id="2" name="Slide Image Placeholder 1"/>
+          <p:cNvSpPr>
+            <a:spLocks noGrp="1" noRot="1" noChangeAspect="1"/>
+          </p:cNvSpPr>
+          <p:nvPr>
+            <p:ph type="sldImg"/>
+          </p:nvPr>
+        </p:nvSpPr>
+        <p:spPr/>
+      </p:sp>
+      <p:sp>
+        <p:nvSpPr>
+          <p:cNvPr id="3" name="Notes Placeholder 2"/>
+          <p:cNvSpPr>
+            <a:spLocks noGrp="1"/>
+          </p:cNvSpPr>
+          <p:nvPr>
+            <p:ph type="body" idx="1"/>
+          </p:nvPr>
+        </p:nvSpPr>
+        <p:spPr/>
+        <p:txBody>
+          <a:bodyPr/>
+          <a:lstStyle/>
+          <a:p>
+            <a:r>
+              <a:rPr lang="en-US" dirty="0"/>
+              <a:t>Xaar128_2</a:t>
+            </a:r>
+          </a:p>
+        </p:txBody>
+      </p:sp>
+      <p:sp>
+        <p:nvSpPr>
+          <p:cNvPr id="4" name="Slide Number Placeholder 3"/>
+          <p:cNvSpPr>
+            <a:spLocks noGrp="1"/>
+          </p:cNvSpPr>
+          <p:nvPr>
+            <p:ph type="sldNum" sz="quarter" idx="10"/>
+          </p:nvPr>
+        </p:nvSpPr>
+        <p:spPr/>
+        <p:txBody>
+          <a:bodyPr/>
+          <a:lstStyle/>
+          <a:p>
+            <a:fld id="{51A63F63-9F63-470B-BC39-946BB192FF28}" type="slidenum">
+              <a:rPr lang="en-US" smtClean="0"/>
+              <a:t>5</a:t>
+            </a:fld>
+            <a:endParaRPr lang="en-US"/>
+          </a:p>
+        </p:txBody>
+      </p:sp>
+    </p:spTree>
+    <p:extLst>
+      <p:ext uri="{BB962C8B-B14F-4D97-AF65-F5344CB8AC3E}">
+        <p14:creationId xmlns:p14="http://schemas.microsoft.com/office/powerpoint/2010/main" val="1784508199"/>
+      </p:ext>
+    </p:extLst>
+  </p:cSld>
+  <p:clrMapOvr>
+    <a:masterClrMapping/>
+  </p:clrMapOvr>
+</p:notes>
+</file>
+
+<file path=ppt/notesSlides/notesSlide4.xml><?xml version="1.0" encoding="utf-8"?>
+<p:notes xmlns:a="http://schemas.openxmlformats.org/drawingml/2006/main" xmlns:r="http://schemas.openxmlformats.org/officeDocument/2006/relationships" xmlns:p="http://schemas.openxmlformats.org/presentationml/2006/main">
+  <p:cSld>
+    <p:spTree>
+      <p:nvGrpSpPr>
+        <p:cNvPr id="1" name=""/>
+        <p:cNvGrpSpPr/>
+        <p:nvPr/>
+      </p:nvGrpSpPr>
+      <p:grpSpPr>
+        <a:xfrm>
+          <a:off x="0" y="0"/>
+          <a:ext cx="0" cy="0"/>
+          <a:chOff x="0" y="0"/>
+          <a:chExt cx="0" cy="0"/>
+        </a:xfrm>
+      </p:grpSpPr>
+      <p:sp>
+        <p:nvSpPr>
+          <p:cNvPr id="2" name="Slide Image Placeholder 1"/>
+          <p:cNvSpPr>
+            <a:spLocks noGrp="1" noRot="1" noChangeAspect="1"/>
+          </p:cNvSpPr>
+          <p:nvPr>
+            <p:ph type="sldImg"/>
+          </p:nvPr>
+        </p:nvSpPr>
+        <p:spPr/>
+      </p:sp>
+      <p:sp>
+        <p:nvSpPr>
+          <p:cNvPr id="3" name="Notes Placeholder 2"/>
+          <p:cNvSpPr>
+            <a:spLocks noGrp="1"/>
+          </p:cNvSpPr>
+          <p:nvPr>
+            <p:ph type="body" idx="1"/>
+          </p:nvPr>
+        </p:nvSpPr>
+        <p:spPr/>
+        <p:txBody>
+          <a:bodyPr/>
+          <a:lstStyle/>
+          <a:p>
+            <a:r>
+              <a:rPr lang="en-US" dirty="0" err="1"/>
+              <a:t>VanityMirror</a:t>
+            </a:r>
+            <a:endParaRPr lang="en-US" dirty="0"/>
+          </a:p>
+        </p:txBody>
+      </p:sp>
+      <p:sp>
+        <p:nvSpPr>
+          <p:cNvPr id="4" name="Slide Number Placeholder 3"/>
+          <p:cNvSpPr>
+            <a:spLocks noGrp="1"/>
+          </p:cNvSpPr>
+          <p:nvPr>
+            <p:ph type="sldNum" sz="quarter" idx="10"/>
+          </p:nvPr>
+        </p:nvSpPr>
+        <p:spPr/>
+        <p:txBody>
+          <a:bodyPr/>
+          <a:lstStyle/>
+          <a:p>
+            <a:fld id="{51A63F63-9F63-470B-BC39-946BB192FF28}" type="slidenum">
+              <a:rPr lang="en-US" smtClean="0"/>
+              <a:t>6</a:t>
+            </a:fld>
+            <a:endParaRPr lang="en-US"/>
+          </a:p>
+        </p:txBody>
+      </p:sp>
+    </p:spTree>
+    <p:extLst>
+      <p:ext uri="{BB962C8B-B14F-4D97-AF65-F5344CB8AC3E}">
+        <p14:creationId xmlns:p14="http://schemas.microsoft.com/office/powerpoint/2010/main" val="685612922"/>
+      </p:ext>
+    </p:extLst>
+  </p:cSld>
+  <p:clrMapOvr>
+    <a:masterClrMapping/>
+  </p:clrMapOvr>
+</p:notes>
+</file>
+
+<file path=ppt/notesSlides/notesSlide5.xml><?xml version="1.0" encoding="utf-8"?>
+<p:notes xmlns:a="http://schemas.openxmlformats.org/drawingml/2006/main" xmlns:r="http://schemas.openxmlformats.org/officeDocument/2006/relationships" xmlns:p="http://schemas.openxmlformats.org/presentationml/2006/main">
+  <p:cSld>
+    <p:spTree>
+      <p:nvGrpSpPr>
+        <p:cNvPr id="1" name=""/>
+        <p:cNvGrpSpPr/>
+        <p:nvPr/>
+      </p:nvGrpSpPr>
+      <p:grpSpPr>
+        <a:xfrm>
+          <a:off x="0" y="0"/>
+          <a:ext cx="0" cy="0"/>
+          <a:chOff x="0" y="0"/>
+          <a:chExt cx="0" cy="0"/>
+        </a:xfrm>
+      </p:grpSpPr>
+      <p:sp>
+        <p:nvSpPr>
+          <p:cNvPr id="2" name="Slide Image Placeholder 1"/>
+          <p:cNvSpPr>
+            <a:spLocks noGrp="1" noRot="1" noChangeAspect="1"/>
+          </p:cNvSpPr>
+          <p:nvPr>
+            <p:ph type="sldImg"/>
+          </p:nvPr>
+        </p:nvSpPr>
+        <p:spPr/>
+      </p:sp>
+      <p:sp>
+        <p:nvSpPr>
+          <p:cNvPr id="3" name="Notes Placeholder 2"/>
+          <p:cNvSpPr>
+            <a:spLocks noGrp="1"/>
+          </p:cNvSpPr>
+          <p:nvPr>
+            <p:ph type="body" idx="1"/>
+          </p:nvPr>
+        </p:nvSpPr>
+        <p:spPr/>
+        <p:txBody>
+          <a:bodyPr/>
+          <a:lstStyle/>
+          <a:p>
+            <a:r>
+              <a:rPr lang="en-US" dirty="0"/>
+              <a:t>3D</a:t>
+            </a:r>
+          </a:p>
+        </p:txBody>
+      </p:sp>
+      <p:sp>
+        <p:nvSpPr>
+          <p:cNvPr id="4" name="Slide Number Placeholder 3"/>
+          <p:cNvSpPr>
+            <a:spLocks noGrp="1"/>
+          </p:cNvSpPr>
+          <p:nvPr>
+            <p:ph type="sldNum" sz="quarter" idx="10"/>
+          </p:nvPr>
+        </p:nvSpPr>
+        <p:spPr/>
+        <p:txBody>
+          <a:bodyPr/>
+          <a:lstStyle/>
+          <a:p>
+            <a:fld id="{51A63F63-9F63-470B-BC39-946BB192FF28}" type="slidenum">
+              <a:rPr lang="en-US" smtClean="0"/>
+              <a:t>7</a:t>
+            </a:fld>
+            <a:endParaRPr lang="en-US"/>
+          </a:p>
+        </p:txBody>
+      </p:sp>
+    </p:spTree>
+    <p:extLst>
+      <p:ext uri="{BB962C8B-B14F-4D97-AF65-F5344CB8AC3E}">
+        <p14:creationId xmlns:p14="http://schemas.microsoft.com/office/powerpoint/2010/main" val="3608039155"/>
+      </p:ext>
+    </p:extLst>
+  </p:cSld>
+  <p:clrMapOvr>
+    <a:masterClrMapping/>
+  </p:clrMapOvr>
+</p:notes>
+</file>
+
+<file path=ppt/notesSlides/notesSlide6.xml><?xml version="1.0" encoding="utf-8"?>
+<p:notes xmlns:a="http://schemas.openxmlformats.org/drawingml/2006/main" xmlns:r="http://schemas.openxmlformats.org/officeDocument/2006/relationships" xmlns:p="http://schemas.openxmlformats.org/presentationml/2006/main">
+  <p:cSld>
+    <p:spTree>
+      <p:nvGrpSpPr>
+        <p:cNvPr id="1" name=""/>
+        <p:cNvGrpSpPr/>
+        <p:nvPr/>
+      </p:nvGrpSpPr>
+      <p:grpSpPr>
+        <a:xfrm>
+          <a:off x="0" y="0"/>
+          <a:ext cx="0" cy="0"/>
+          <a:chOff x="0" y="0"/>
+          <a:chExt cx="0" cy="0"/>
+        </a:xfrm>
+      </p:grpSpPr>
+      <p:sp>
+        <p:nvSpPr>
+          <p:cNvPr id="2" name="Slide Image Placeholder 1"/>
+          <p:cNvSpPr>
+            <a:spLocks noGrp="1" noRot="1" noChangeAspect="1"/>
+          </p:cNvSpPr>
+          <p:nvPr>
+            <p:ph type="sldImg"/>
+          </p:nvPr>
+        </p:nvSpPr>
+        <p:spPr/>
+      </p:sp>
+      <p:sp>
+        <p:nvSpPr>
+          <p:cNvPr id="3" name="Notes Placeholder 2"/>
+          <p:cNvSpPr>
+            <a:spLocks noGrp="1"/>
+          </p:cNvSpPr>
+          <p:nvPr>
+            <p:ph type="body" idx="1"/>
+          </p:nvPr>
+        </p:nvSpPr>
+        <p:spPr/>
+        <p:txBody>
+          <a:bodyPr/>
+          <a:lstStyle/>
+          <a:p>
+            <a:r>
+              <a:rPr lang="en-US" dirty="0"/>
+              <a:t>SPS Android App</a:t>
+            </a:r>
+          </a:p>
+        </p:txBody>
+      </p:sp>
+      <p:sp>
+        <p:nvSpPr>
+          <p:cNvPr id="4" name="Slide Number Placeholder 3"/>
+          <p:cNvSpPr>
+            <a:spLocks noGrp="1"/>
+          </p:cNvSpPr>
+          <p:nvPr>
+            <p:ph type="sldNum" sz="quarter" idx="10"/>
+          </p:nvPr>
+        </p:nvSpPr>
+        <p:spPr/>
+        <p:txBody>
+          <a:bodyPr/>
+          <a:lstStyle/>
+          <a:p>
+            <a:fld id="{51A63F63-9F63-470B-BC39-946BB192FF28}" type="slidenum">
+              <a:rPr lang="en-US" smtClean="0"/>
+              <a:t>8</a:t>
+            </a:fld>
+            <a:endParaRPr lang="en-US"/>
+          </a:p>
+        </p:txBody>
+      </p:sp>
+    </p:spTree>
+    <p:extLst>
+      <p:ext uri="{BB962C8B-B14F-4D97-AF65-F5344CB8AC3E}">
+        <p14:creationId xmlns:p14="http://schemas.microsoft.com/office/powerpoint/2010/main" val="1435648590"/>
+      </p:ext>
+    </p:extLst>
+  </p:cSld>
+  <p:clrMapOvr>
+    <a:masterClrMapping/>
+  </p:clrMapOvr>
+</p:notes>
+</file>
+
+<file path=ppt/notesSlides/notesSlide7.xml><?xml version="1.0" encoding="utf-8"?>
+<p:notes xmlns:a="http://schemas.openxmlformats.org/drawingml/2006/main" xmlns:r="http://schemas.openxmlformats.org/officeDocument/2006/relationships" xmlns:p="http://schemas.openxmlformats.org/presentationml/2006/main">
+  <p:cSld>
+    <p:spTree>
+      <p:nvGrpSpPr>
+        <p:cNvPr id="1" name=""/>
+        <p:cNvGrpSpPr/>
+        <p:nvPr/>
+      </p:nvGrpSpPr>
+      <p:grpSpPr>
+        <a:xfrm>
+          <a:off x="0" y="0"/>
+          <a:ext cx="0" cy="0"/>
+          <a:chOff x="0" y="0"/>
+          <a:chExt cx="0" cy="0"/>
+        </a:xfrm>
+      </p:grpSpPr>
+      <p:sp>
+        <p:nvSpPr>
+          <p:cNvPr id="2" name="Slide Image Placeholder 1"/>
+          <p:cNvSpPr>
+            <a:spLocks noGrp="1" noRot="1" noChangeAspect="1"/>
+          </p:cNvSpPr>
+          <p:nvPr>
+            <p:ph type="sldImg"/>
+          </p:nvPr>
+        </p:nvSpPr>
+        <p:spPr/>
+      </p:sp>
+      <p:sp>
+        <p:nvSpPr>
+          <p:cNvPr id="3" name="Notes Placeholder 2"/>
+          <p:cNvSpPr>
+            <a:spLocks noGrp="1"/>
+          </p:cNvSpPr>
+          <p:nvPr>
+            <p:ph type="body" idx="1"/>
+          </p:nvPr>
+        </p:nvSpPr>
+        <p:spPr/>
+        <p:txBody>
+          <a:bodyPr/>
+          <a:lstStyle/>
+          <a:p>
+            <a:r>
+              <a:rPr lang="en-US" dirty="0"/>
+              <a:t>BlindZer_1</a:t>
+            </a:r>
+          </a:p>
+        </p:txBody>
+      </p:sp>
+      <p:sp>
+        <p:nvSpPr>
+          <p:cNvPr id="4" name="Slide Number Placeholder 3"/>
+          <p:cNvSpPr>
+            <a:spLocks noGrp="1"/>
+          </p:cNvSpPr>
+          <p:nvPr>
+            <p:ph type="sldNum" sz="quarter" idx="10"/>
+          </p:nvPr>
+        </p:nvSpPr>
+        <p:spPr/>
+        <p:txBody>
+          <a:bodyPr/>
+          <a:lstStyle/>
+          <a:p>
+            <a:fld id="{51A63F63-9F63-470B-BC39-946BB192FF28}" type="slidenum">
+              <a:rPr lang="en-US" smtClean="0"/>
+              <a:t>9</a:t>
+            </a:fld>
+            <a:endParaRPr lang="en-US"/>
+          </a:p>
+        </p:txBody>
+      </p:sp>
+    </p:spTree>
+    <p:extLst>
+      <p:ext uri="{BB962C8B-B14F-4D97-AF65-F5344CB8AC3E}">
+        <p14:creationId xmlns:p14="http://schemas.microsoft.com/office/powerpoint/2010/main" val="3915773678"/>
+      </p:ext>
+    </p:extLst>
+  </p:cSld>
+  <p:clrMapOvr>
+    <a:masterClrMapping/>
+  </p:clrMapOvr>
+</p:notes>
+</file>
+
+<file path=ppt/notesSlides/notesSlide8.xml><?xml version="1.0" encoding="utf-8"?>
+<p:notes xmlns:a="http://schemas.openxmlformats.org/drawingml/2006/main" xmlns:r="http://schemas.openxmlformats.org/officeDocument/2006/relationships" xmlns:p="http://schemas.openxmlformats.org/presentationml/2006/main">
+  <p:cSld>
+    <p:spTree>
+      <p:nvGrpSpPr>
+        <p:cNvPr id="1" name=""/>
+        <p:cNvGrpSpPr/>
+        <p:nvPr/>
+      </p:nvGrpSpPr>
+      <p:grpSpPr>
+        <a:xfrm>
+          <a:off x="0" y="0"/>
+          <a:ext cx="0" cy="0"/>
+          <a:chOff x="0" y="0"/>
+          <a:chExt cx="0" cy="0"/>
+        </a:xfrm>
+      </p:grpSpPr>
+      <p:sp>
+        <p:nvSpPr>
+          <p:cNvPr id="2" name="Slide Image Placeholder 1"/>
+          <p:cNvSpPr>
+            <a:spLocks noGrp="1" noRot="1" noChangeAspect="1"/>
+          </p:cNvSpPr>
+          <p:nvPr>
+            <p:ph type="sldImg"/>
+          </p:nvPr>
+        </p:nvSpPr>
+        <p:spPr/>
+      </p:sp>
+      <p:sp>
+        <p:nvSpPr>
+          <p:cNvPr id="3" name="Notes Placeholder 2"/>
+          <p:cNvSpPr>
+            <a:spLocks noGrp="1"/>
+          </p:cNvSpPr>
+          <p:nvPr>
+            <p:ph type="body" idx="1"/>
+          </p:nvPr>
+        </p:nvSpPr>
+        <p:spPr/>
+        <p:txBody>
+          <a:bodyPr/>
+          <a:lstStyle/>
+          <a:p>
+            <a:r>
+              <a:rPr lang="en-US" dirty="0"/>
+              <a:t>BlindZer_2</a:t>
+            </a:r>
+          </a:p>
+        </p:txBody>
+      </p:sp>
+      <p:sp>
+        <p:nvSpPr>
+          <p:cNvPr id="4" name="Slide Number Placeholder 3"/>
+          <p:cNvSpPr>
+            <a:spLocks noGrp="1"/>
+          </p:cNvSpPr>
+          <p:nvPr>
+            <p:ph type="sldNum" sz="quarter" idx="10"/>
+          </p:nvPr>
+        </p:nvSpPr>
+        <p:spPr/>
+        <p:txBody>
+          <a:bodyPr/>
+          <a:lstStyle/>
+          <a:p>
+            <a:fld id="{51A63F63-9F63-470B-BC39-946BB192FF28}" type="slidenum">
+              <a:rPr lang="en-US" smtClean="0"/>
+              <a:t>10</a:t>
+            </a:fld>
+            <a:endParaRPr lang="en-US"/>
+          </a:p>
+        </p:txBody>
+      </p:sp>
+    </p:spTree>
+    <p:extLst>
+      <p:ext uri="{BB962C8B-B14F-4D97-AF65-F5344CB8AC3E}">
+        <p14:creationId xmlns:p14="http://schemas.microsoft.com/office/powerpoint/2010/main" val="3511385031"/>
+      </p:ext>
+    </p:extLst>
+  </p:cSld>
+  <p:clrMapOvr>
+    <a:masterClrMapping/>
+  </p:clrMapOvr>
+</p:notes>
+</file>
+
+<file path=ppt/notesSlides/notesSlide9.xml><?xml version="1.0" encoding="utf-8"?>
+<p:notes xmlns:a="http://schemas.openxmlformats.org/drawingml/2006/main" xmlns:r="http://schemas.openxmlformats.org/officeDocument/2006/relationships" xmlns:p="http://schemas.openxmlformats.org/presentationml/2006/main">
+  <p:cSld>
+    <p:spTree>
+      <p:nvGrpSpPr>
+        <p:cNvPr id="1" name=""/>
+        <p:cNvGrpSpPr/>
+        <p:nvPr/>
+      </p:nvGrpSpPr>
+      <p:grpSpPr>
+        <a:xfrm>
+          <a:off x="0" y="0"/>
+          <a:ext cx="0" cy="0"/>
+          <a:chOff x="0" y="0"/>
+          <a:chExt cx="0" cy="0"/>
+        </a:xfrm>
+      </p:grpSpPr>
+      <p:sp>
+        <p:nvSpPr>
+          <p:cNvPr id="2" name="Slide Image Placeholder 1"/>
+          <p:cNvSpPr>
+            <a:spLocks noGrp="1" noRot="1" noChangeAspect="1"/>
+          </p:cNvSpPr>
+          <p:nvPr>
+            <p:ph type="sldImg"/>
+          </p:nvPr>
+        </p:nvSpPr>
+        <p:spPr/>
+      </p:sp>
+      <p:sp>
+        <p:nvSpPr>
+          <p:cNvPr id="3" name="Notes Placeholder 2"/>
+          <p:cNvSpPr>
+            <a:spLocks noGrp="1"/>
+          </p:cNvSpPr>
+          <p:nvPr>
+            <p:ph type="body" idx="1"/>
+          </p:nvPr>
+        </p:nvSpPr>
+        <p:spPr/>
+        <p:txBody>
+          <a:bodyPr/>
+          <a:lstStyle/>
+          <a:p>
+            <a:r>
+              <a:rPr lang="en-US" dirty="0"/>
+              <a:t>Website</a:t>
+            </a:r>
+          </a:p>
+        </p:txBody>
+      </p:sp>
+      <p:sp>
+        <p:nvSpPr>
+          <p:cNvPr id="4" name="Slide Number Placeholder 3"/>
+          <p:cNvSpPr>
+            <a:spLocks noGrp="1"/>
+          </p:cNvSpPr>
+          <p:nvPr>
+            <p:ph type="sldNum" sz="quarter" idx="10"/>
+          </p:nvPr>
+        </p:nvSpPr>
+        <p:spPr/>
+        <p:txBody>
+          <a:bodyPr/>
+          <a:lstStyle/>
+          <a:p>
+            <a:fld id="{51A63F63-9F63-470B-BC39-946BB192FF28}" type="slidenum">
+              <a:rPr lang="en-US" smtClean="0"/>
+              <a:t>11</a:t>
+            </a:fld>
+            <a:endParaRPr lang="en-US"/>
+          </a:p>
+        </p:txBody>
+      </p:sp>
+    </p:spTree>
+    <p:extLst>
+      <p:ext uri="{BB962C8B-B14F-4D97-AF65-F5344CB8AC3E}">
+        <p14:creationId xmlns:p14="http://schemas.microsoft.com/office/powerpoint/2010/main" val="1902799563"/>
+      </p:ext>
+    </p:extLst>
+  </p:cSld>
+  <p:clrMapOvr>
+    <a:masterClrMapping/>
+  </p:clrMapOvr>
+</p:notes>
 </file>
 
 <file path=ppt/slideLayouts/slideLayout1.xml><?xml version="1.0" encoding="utf-8"?>
@@ -6290,7 +7604,7 @@
           <p:nvPr/>
         </p:nvPicPr>
         <p:blipFill>
-          <a:blip r:embed="rId2">
+          <a:blip r:embed="rId3">
             <a:extLst>
               <a:ext uri="{28A0092B-C50C-407E-A947-70E740481C1C}">
                 <a14:useLocalDpi xmlns:a14="http://schemas.microsoft.com/office/drawing/2010/main" val="0"/>
@@ -14264,7 +15578,7 @@
           <p:nvPr/>
         </p:nvPicPr>
         <p:blipFill>
-          <a:blip r:embed="rId2">
+          <a:blip r:embed="rId3">
             <a:extLst>
               <a:ext uri="{28A0092B-C50C-407E-A947-70E740481C1C}">
                 <a14:useLocalDpi xmlns:a14="http://schemas.microsoft.com/office/drawing/2010/main" val="0"/>
@@ -16163,7 +17477,7 @@
           <p:nvPr/>
         </p:nvPicPr>
         <p:blipFill>
-          <a:blip r:embed="rId2">
+          <a:blip r:embed="rId3">
             <a:extLst>
               <a:ext uri="{28A0092B-C50C-407E-A947-70E740481C1C}">
                 <a14:useLocalDpi xmlns:a14="http://schemas.microsoft.com/office/drawing/2010/main" val="0"/>
@@ -16490,4 +17804,299 @@
     </a:ext>
   </a:extLst>
 </a:theme>
+</file>
+
+<file path=ppt/theme/theme2.xml><?xml version="1.0" encoding="utf-8"?>
+<a:theme xmlns:a="http://schemas.openxmlformats.org/drawingml/2006/main" name="Office Theme">
+  <a:themeElements>
+    <a:clrScheme name="Office">
+      <a:dk1>
+        <a:sysClr val="windowText" lastClr="000000"/>
+      </a:dk1>
+      <a:lt1>
+        <a:sysClr val="window" lastClr="FFFFFF"/>
+      </a:lt1>
+      <a:dk2>
+        <a:srgbClr val="44546A"/>
+      </a:dk2>
+      <a:lt2>
+        <a:srgbClr val="E7E6E6"/>
+      </a:lt2>
+      <a:accent1>
+        <a:srgbClr val="4472C4"/>
+      </a:accent1>
+      <a:accent2>
+        <a:srgbClr val="ED7D31"/>
+      </a:accent2>
+      <a:accent3>
+        <a:srgbClr val="A5A5A5"/>
+      </a:accent3>
+      <a:accent4>
+        <a:srgbClr val="FFC000"/>
+      </a:accent4>
+      <a:accent5>
+        <a:srgbClr val="5B9BD5"/>
+      </a:accent5>
+      <a:accent6>
+        <a:srgbClr val="70AD47"/>
+      </a:accent6>
+      <a:hlink>
+        <a:srgbClr val="0563C1"/>
+      </a:hlink>
+      <a:folHlink>
+        <a:srgbClr val="954F72"/>
+      </a:folHlink>
+    </a:clrScheme>
+    <a:fontScheme name="Office">
+      <a:majorFont>
+        <a:latin typeface="Calibri Light" panose="020F0302020204030204"/>
+        <a:ea typeface=""/>
+        <a:cs typeface=""/>
+        <a:font script="Jpan" typeface="游ゴシック Light"/>
+        <a:font script="Hang" typeface="맑은 고딕"/>
+        <a:font script="Hans" typeface="等线 Light"/>
+        <a:font script="Hant" typeface="新細明體"/>
+        <a:font script="Arab" typeface="Times New Roman"/>
+        <a:font script="Hebr" typeface="Times New Roman"/>
+        <a:font script="Thai" typeface="Angsana New"/>
+        <a:font script="Ethi" typeface="Nyala"/>
+        <a:font script="Beng" typeface="Vrinda"/>
+        <a:font script="Gujr" typeface="Shruti"/>
+        <a:font script="Khmr" typeface="MoolBoran"/>
+        <a:font script="Knda" typeface="Tunga"/>
+        <a:font script="Guru" typeface="Raavi"/>
+        <a:font script="Cans" typeface="Euphemia"/>
+        <a:font script="Cher" typeface="Plantagenet Cherokee"/>
+        <a:font script="Yiii" typeface="Microsoft Yi Baiti"/>
+        <a:font script="Tibt" typeface="Microsoft Himalaya"/>
+        <a:font script="Thaa" typeface="MV Boli"/>
+        <a:font script="Deva" typeface="Mangal"/>
+        <a:font script="Telu" typeface="Gautami"/>
+        <a:font script="Taml" typeface="Latha"/>
+        <a:font script="Syrc" typeface="Estrangelo Edessa"/>
+        <a:font script="Orya" typeface="Kalinga"/>
+        <a:font script="Mlym" typeface="Kartika"/>
+        <a:font script="Laoo" typeface="DokChampa"/>
+        <a:font script="Sinh" typeface="Iskoola Pota"/>
+        <a:font script="Mong" typeface="Mongolian Baiti"/>
+        <a:font script="Viet" typeface="Times New Roman"/>
+        <a:font script="Uigh" typeface="Microsoft Uighur"/>
+        <a:font script="Geor" typeface="Sylfaen"/>
+        <a:font script="Armn" typeface="Arial"/>
+        <a:font script="Bugi" typeface="Leelawadee UI"/>
+        <a:font script="Bopo" typeface="Microsoft JhengHei"/>
+        <a:font script="Java" typeface="Javanese Text"/>
+        <a:font script="Lisu" typeface="Segoe UI"/>
+        <a:font script="Mymr" typeface="Myanmar Text"/>
+        <a:font script="Nkoo" typeface="Ebrima"/>
+        <a:font script="Olck" typeface="Nirmala UI"/>
+        <a:font script="Osma" typeface="Ebrima"/>
+        <a:font script="Phag" typeface="Phagspa"/>
+        <a:font script="Syrn" typeface="Estrangelo Edessa"/>
+        <a:font script="Syrj" typeface="Estrangelo Edessa"/>
+        <a:font script="Syre" typeface="Estrangelo Edessa"/>
+        <a:font script="Sora" typeface="Nirmala UI"/>
+        <a:font script="Tale" typeface="Microsoft Tai Le"/>
+        <a:font script="Talu" typeface="Microsoft New Tai Lue"/>
+        <a:font script="Tfng" typeface="Ebrima"/>
+      </a:majorFont>
+      <a:minorFont>
+        <a:latin typeface="Calibri" panose="020F0502020204030204"/>
+        <a:ea typeface=""/>
+        <a:cs typeface=""/>
+        <a:font script="Jpan" typeface="游ゴシック"/>
+        <a:font script="Hang" typeface="맑은 고딕"/>
+        <a:font script="Hans" typeface="等线"/>
+        <a:font script="Hant" typeface="新細明體"/>
+        <a:font script="Arab" typeface="Arial"/>
+        <a:font script="Hebr" typeface="Arial"/>
+        <a:font script="Thai" typeface="Cordia New"/>
+        <a:font script="Ethi" typeface="Nyala"/>
+        <a:font script="Beng" typeface="Vrinda"/>
+        <a:font script="Gujr" typeface="Shruti"/>
+        <a:font script="Khmr" typeface="DaunPenh"/>
+        <a:font script="Knda" typeface="Tunga"/>
+        <a:font script="Guru" typeface="Raavi"/>
+        <a:font script="Cans" typeface="Euphemia"/>
+        <a:font script="Cher" typeface="Plantagenet Cherokee"/>
+        <a:font script="Yiii" typeface="Microsoft Yi Baiti"/>
+        <a:font script="Tibt" typeface="Microsoft Himalaya"/>
+        <a:font script="Thaa" typeface="MV Boli"/>
+        <a:font script="Deva" typeface="Mangal"/>
+        <a:font script="Telu" typeface="Gautami"/>
+        <a:font script="Taml" typeface="Latha"/>
+        <a:font script="Syrc" typeface="Estrangelo Edessa"/>
+        <a:font script="Orya" typeface="Kalinga"/>
+        <a:font script="Mlym" typeface="Kartika"/>
+        <a:font script="Laoo" typeface="DokChampa"/>
+        <a:font script="Sinh" typeface="Iskoola Pota"/>
+        <a:font script="Mong" typeface="Mongolian Baiti"/>
+        <a:font script="Viet" typeface="Arial"/>
+        <a:font script="Uigh" typeface="Microsoft Uighur"/>
+        <a:font script="Geor" typeface="Sylfaen"/>
+        <a:font script="Armn" typeface="Arial"/>
+        <a:font script="Bugi" typeface="Leelawadee UI"/>
+        <a:font script="Bopo" typeface="Microsoft JhengHei"/>
+        <a:font script="Java" typeface="Javanese Text"/>
+        <a:font script="Lisu" typeface="Segoe UI"/>
+        <a:font script="Mymr" typeface="Myanmar Text"/>
+        <a:font script="Nkoo" typeface="Ebrima"/>
+        <a:font script="Olck" typeface="Nirmala UI"/>
+        <a:font script="Osma" typeface="Ebrima"/>
+        <a:font script="Phag" typeface="Phagspa"/>
+        <a:font script="Syrn" typeface="Estrangelo Edessa"/>
+        <a:font script="Syrj" typeface="Estrangelo Edessa"/>
+        <a:font script="Syre" typeface="Estrangelo Edessa"/>
+        <a:font script="Sora" typeface="Nirmala UI"/>
+        <a:font script="Tale" typeface="Microsoft Tai Le"/>
+        <a:font script="Talu" typeface="Microsoft New Tai Lue"/>
+        <a:font script="Tfng" typeface="Ebrima"/>
+      </a:minorFont>
+    </a:fontScheme>
+    <a:fmtScheme name="Office">
+      <a:fillStyleLst>
+        <a:solidFill>
+          <a:schemeClr val="phClr"/>
+        </a:solidFill>
+        <a:gradFill rotWithShape="1">
+          <a:gsLst>
+            <a:gs pos="0">
+              <a:schemeClr val="phClr">
+                <a:lumMod val="110000"/>
+                <a:satMod val="105000"/>
+                <a:tint val="67000"/>
+              </a:schemeClr>
+            </a:gs>
+            <a:gs pos="50000">
+              <a:schemeClr val="phClr">
+                <a:lumMod val="105000"/>
+                <a:satMod val="103000"/>
+                <a:tint val="73000"/>
+              </a:schemeClr>
+            </a:gs>
+            <a:gs pos="100000">
+              <a:schemeClr val="phClr">
+                <a:lumMod val="105000"/>
+                <a:satMod val="109000"/>
+                <a:tint val="81000"/>
+              </a:schemeClr>
+            </a:gs>
+          </a:gsLst>
+          <a:lin ang="5400000" scaled="0"/>
+        </a:gradFill>
+        <a:gradFill rotWithShape="1">
+          <a:gsLst>
+            <a:gs pos="0">
+              <a:schemeClr val="phClr">
+                <a:satMod val="103000"/>
+                <a:lumMod val="102000"/>
+                <a:tint val="94000"/>
+              </a:schemeClr>
+            </a:gs>
+            <a:gs pos="50000">
+              <a:schemeClr val="phClr">
+                <a:satMod val="110000"/>
+                <a:lumMod val="100000"/>
+                <a:shade val="100000"/>
+              </a:schemeClr>
+            </a:gs>
+            <a:gs pos="100000">
+              <a:schemeClr val="phClr">
+                <a:lumMod val="99000"/>
+                <a:satMod val="120000"/>
+                <a:shade val="78000"/>
+              </a:schemeClr>
+            </a:gs>
+          </a:gsLst>
+          <a:lin ang="5400000" scaled="0"/>
+        </a:gradFill>
+      </a:fillStyleLst>
+      <a:lnStyleLst>
+        <a:ln w="6350" cap="flat" cmpd="sng" algn="ctr">
+          <a:solidFill>
+            <a:schemeClr val="phClr"/>
+          </a:solidFill>
+          <a:prstDash val="solid"/>
+          <a:miter lim="800000"/>
+        </a:ln>
+        <a:ln w="12700" cap="flat" cmpd="sng" algn="ctr">
+          <a:solidFill>
+            <a:schemeClr val="phClr"/>
+          </a:solidFill>
+          <a:prstDash val="solid"/>
+          <a:miter lim="800000"/>
+        </a:ln>
+        <a:ln w="19050" cap="flat" cmpd="sng" algn="ctr">
+          <a:solidFill>
+            <a:schemeClr val="phClr"/>
+          </a:solidFill>
+          <a:prstDash val="solid"/>
+          <a:miter lim="800000"/>
+        </a:ln>
+      </a:lnStyleLst>
+      <a:effectStyleLst>
+        <a:effectStyle>
+          <a:effectLst/>
+        </a:effectStyle>
+        <a:effectStyle>
+          <a:effectLst/>
+        </a:effectStyle>
+        <a:effectStyle>
+          <a:effectLst>
+            <a:outerShdw blurRad="57150" dist="19050" dir="5400000" algn="ctr" rotWithShape="0">
+              <a:srgbClr val="000000">
+                <a:alpha val="63000"/>
+              </a:srgbClr>
+            </a:outerShdw>
+          </a:effectLst>
+        </a:effectStyle>
+      </a:effectStyleLst>
+      <a:bgFillStyleLst>
+        <a:solidFill>
+          <a:schemeClr val="phClr"/>
+        </a:solidFill>
+        <a:solidFill>
+          <a:schemeClr val="phClr">
+            <a:tint val="95000"/>
+            <a:satMod val="170000"/>
+          </a:schemeClr>
+        </a:solidFill>
+        <a:gradFill rotWithShape="1">
+          <a:gsLst>
+            <a:gs pos="0">
+              <a:schemeClr val="phClr">
+                <a:tint val="93000"/>
+                <a:satMod val="150000"/>
+                <a:shade val="98000"/>
+                <a:lumMod val="102000"/>
+              </a:schemeClr>
+            </a:gs>
+            <a:gs pos="50000">
+              <a:schemeClr val="phClr">
+                <a:tint val="98000"/>
+                <a:satMod val="130000"/>
+                <a:shade val="90000"/>
+                <a:lumMod val="103000"/>
+              </a:schemeClr>
+            </a:gs>
+            <a:gs pos="100000">
+              <a:schemeClr val="phClr">
+                <a:shade val="63000"/>
+                <a:satMod val="120000"/>
+              </a:schemeClr>
+            </a:gs>
+          </a:gsLst>
+          <a:lin ang="5400000" scaled="0"/>
+        </a:gradFill>
+      </a:bgFillStyleLst>
+    </a:fmtScheme>
+  </a:themeElements>
+  <a:objectDefaults/>
+  <a:extraClrSchemeLst/>
+  <a:extLst>
+    <a:ext uri="{05A4C25C-085E-4340-85A3-A5531E510DB2}">
+      <thm15:themeFamily xmlns:thm15="http://schemas.microsoft.com/office/thememl/2012/main" name="Office Theme" id="{62F939B6-93AF-4DB8-9C6B-D6C7DFDC589F}" vid="{4A3C46E8-61CC-4603-A589-7422A47A8E4A}"/>
+    </a:ext>
+  </a:extLst>
+</a:theme>
 </file>
--- a/Icons.pptx
+++ b/Icons.pptx
@@ -5,7 +5,7 @@
     <p:sldMasterId id="2147483648" r:id="rId1"/>
   </p:sldMasterIdLst>
   <p:notesMasterIdLst>
-    <p:notesMasterId r:id="rId15"/>
+    <p:notesMasterId r:id="rId16"/>
   </p:notesMasterIdLst>
   <p:sldIdLst>
     <p:sldId id="256" r:id="rId2"/>
@@ -20,7 +20,8 @@
     <p:sldId id="264" r:id="rId11"/>
     <p:sldId id="266" r:id="rId12"/>
     <p:sldId id="268" r:id="rId13"/>
-    <p:sldId id="267" r:id="rId14"/>
+    <p:sldId id="269" r:id="rId14"/>
+    <p:sldId id="267" r:id="rId15"/>
   </p:sldIdLst>
   <p:sldSz cx="12192000" cy="6858000"/>
   <p:notesSz cx="6858000" cy="9144000"/>
@@ -304,7 +305,6 @@
               <a:rPr lang="en-US"/>
               <a:t>Fifth level</a:t>
             </a:r>
-            <a:endParaRPr lang="en-US"/>
           </a:p>
         </p:txBody>
       </p:sp>
@@ -723,6 +723,93 @@
             <a:fld id="{51A63F63-9F63-470B-BC39-946BB192FF28}" type="slidenum">
               <a:rPr lang="en-US" smtClean="0"/>
               <a:t>13</a:t>
+            </a:fld>
+            <a:endParaRPr lang="en-US"/>
+          </a:p>
+        </p:txBody>
+      </p:sp>
+    </p:spTree>
+    <p:extLst>
+      <p:ext uri="{BB962C8B-B14F-4D97-AF65-F5344CB8AC3E}">
+        <p14:creationId xmlns:p14="http://schemas.microsoft.com/office/powerpoint/2010/main" val="1545819549"/>
+      </p:ext>
+    </p:extLst>
+  </p:cSld>
+  <p:clrMapOvr>
+    <a:masterClrMapping/>
+  </p:clrMapOvr>
+</p:notes>
+</file>
+
+<file path=ppt/notesSlides/notesSlide12.xml><?xml version="1.0" encoding="utf-8"?>
+<p:notes xmlns:a="http://schemas.openxmlformats.org/drawingml/2006/main" xmlns:r="http://schemas.openxmlformats.org/officeDocument/2006/relationships" xmlns:p="http://schemas.openxmlformats.org/presentationml/2006/main">
+  <p:cSld>
+    <p:spTree>
+      <p:nvGrpSpPr>
+        <p:cNvPr id="1" name=""/>
+        <p:cNvGrpSpPr/>
+        <p:nvPr/>
+      </p:nvGrpSpPr>
+      <p:grpSpPr>
+        <a:xfrm>
+          <a:off x="0" y="0"/>
+          <a:ext cx="0" cy="0"/>
+          <a:chOff x="0" y="0"/>
+          <a:chExt cx="0" cy="0"/>
+        </a:xfrm>
+      </p:grpSpPr>
+      <p:sp>
+        <p:nvSpPr>
+          <p:cNvPr id="2" name="Slide Image Placeholder 1"/>
+          <p:cNvSpPr>
+            <a:spLocks noGrp="1" noRot="1" noChangeAspect="1"/>
+          </p:cNvSpPr>
+          <p:nvPr>
+            <p:ph type="sldImg"/>
+          </p:nvPr>
+        </p:nvSpPr>
+        <p:spPr/>
+      </p:sp>
+      <p:sp>
+        <p:nvSpPr>
+          <p:cNvPr id="3" name="Notes Placeholder 2"/>
+          <p:cNvSpPr>
+            <a:spLocks noGrp="1"/>
+          </p:cNvSpPr>
+          <p:nvPr>
+            <p:ph type="body" idx="1"/>
+          </p:nvPr>
+        </p:nvSpPr>
+        <p:spPr/>
+        <p:txBody>
+          <a:bodyPr/>
+          <a:lstStyle/>
+          <a:p>
+            <a:r>
+              <a:rPr lang="en-US" dirty="0"/>
+              <a:t>Template</a:t>
+            </a:r>
+          </a:p>
+        </p:txBody>
+      </p:sp>
+      <p:sp>
+        <p:nvSpPr>
+          <p:cNvPr id="4" name="Slide Number Placeholder 3"/>
+          <p:cNvSpPr>
+            <a:spLocks noGrp="1"/>
+          </p:cNvSpPr>
+          <p:nvPr>
+            <p:ph type="sldNum" sz="quarter" idx="10"/>
+          </p:nvPr>
+        </p:nvSpPr>
+        <p:spPr/>
+        <p:txBody>
+          <a:bodyPr/>
+          <a:lstStyle/>
+          <a:p>
+            <a:fld id="{51A63F63-9F63-470B-BC39-946BB192FF28}" type="slidenum">
+              <a:rPr lang="en-US" smtClean="0"/>
+              <a:t>14</a:t>
             </a:fld>
             <a:endParaRPr lang="en-US"/>
           </a:p>
@@ -9510,6 +9597,700 @@
             <a:avLst/>
           </a:prstGeom>
           <a:solidFill>
+            <a:srgbClr val="E2938E"/>
+          </a:solidFill>
+          <a:ln>
+            <a:noFill/>
+          </a:ln>
+        </p:spPr>
+        <p:style>
+          <a:lnRef idx="2">
+            <a:schemeClr val="accent1">
+              <a:shade val="50000"/>
+            </a:schemeClr>
+          </a:lnRef>
+          <a:fillRef idx="1">
+            <a:schemeClr val="accent1"/>
+          </a:fillRef>
+          <a:effectRef idx="0">
+            <a:schemeClr val="accent1"/>
+          </a:effectRef>
+          <a:fontRef idx="minor">
+            <a:schemeClr val="lt1"/>
+          </a:fontRef>
+        </p:style>
+        <p:txBody>
+          <a:bodyPr rtlCol="0" anchor="ctr"/>
+          <a:lstStyle/>
+          <a:p>
+            <a:pPr algn="ctr"/>
+            <a:endParaRPr lang="en-US" sz="1688" dirty="0"/>
+          </a:p>
+        </p:txBody>
+      </p:sp>
+      <p:sp>
+        <p:nvSpPr>
+          <p:cNvPr id="7" name="Rectangle 6"/>
+          <p:cNvSpPr/>
+          <p:nvPr/>
+        </p:nvSpPr>
+        <p:spPr>
+          <a:xfrm rot="2700000">
+            <a:off x="6371337" y="3115955"/>
+            <a:ext cx="2421882" cy="1632224"/>
+          </a:xfrm>
+          <a:prstGeom prst="rect">
+            <a:avLst/>
+          </a:prstGeom>
+          <a:solidFill>
+            <a:schemeClr val="tx1">
+              <a:alpha val="16000"/>
+            </a:schemeClr>
+          </a:solidFill>
+          <a:ln>
+            <a:noFill/>
+          </a:ln>
+        </p:spPr>
+        <p:style>
+          <a:lnRef idx="2">
+            <a:schemeClr val="accent1">
+              <a:shade val="50000"/>
+            </a:schemeClr>
+          </a:lnRef>
+          <a:fillRef idx="1">
+            <a:schemeClr val="accent1"/>
+          </a:fillRef>
+          <a:effectRef idx="0">
+            <a:schemeClr val="accent1"/>
+          </a:effectRef>
+          <a:fontRef idx="minor">
+            <a:schemeClr val="lt1"/>
+          </a:fontRef>
+        </p:style>
+        <p:txBody>
+          <a:bodyPr rtlCol="0" anchor="ctr"/>
+          <a:lstStyle/>
+          <a:p>
+            <a:pPr algn="ctr"/>
+            <a:endParaRPr lang="en-US" sz="1688"/>
+          </a:p>
+        </p:txBody>
+      </p:sp>
+      <p:sp>
+        <p:nvSpPr>
+          <p:cNvPr id="8" name="Rectangle: Rounded Corners 7"/>
+          <p:cNvSpPr/>
+          <p:nvPr/>
+        </p:nvSpPr>
+        <p:spPr>
+          <a:xfrm>
+            <a:off x="4858175" y="2493818"/>
+            <a:ext cx="2473371" cy="1746974"/>
+          </a:xfrm>
+          <a:prstGeom prst="roundRect">
+            <a:avLst>
+              <a:gd name="adj" fmla="val 3355"/>
+            </a:avLst>
+          </a:prstGeom>
+          <a:solidFill>
+            <a:schemeClr val="tx1">
+              <a:lumMod val="95000"/>
+              <a:lumOff val="5000"/>
+            </a:schemeClr>
+          </a:solidFill>
+          <a:ln>
+            <a:noFill/>
+          </a:ln>
+        </p:spPr>
+        <p:style>
+          <a:lnRef idx="2">
+            <a:schemeClr val="accent1">
+              <a:shade val="50000"/>
+            </a:schemeClr>
+          </a:lnRef>
+          <a:fillRef idx="1">
+            <a:schemeClr val="accent1"/>
+          </a:fillRef>
+          <a:effectRef idx="0">
+            <a:schemeClr val="accent1"/>
+          </a:effectRef>
+          <a:fontRef idx="minor">
+            <a:schemeClr val="lt1"/>
+          </a:fontRef>
+        </p:style>
+        <p:txBody>
+          <a:bodyPr rtlCol="0" anchor="ctr"/>
+          <a:lstStyle/>
+          <a:p>
+            <a:pPr algn="ctr"/>
+            <a:endParaRPr lang="en-US" sz="1688"/>
+          </a:p>
+        </p:txBody>
+      </p:sp>
+      <p:sp>
+        <p:nvSpPr>
+          <p:cNvPr id="9" name="Trapezoid 8"/>
+          <p:cNvSpPr/>
+          <p:nvPr/>
+        </p:nvSpPr>
+        <p:spPr>
+          <a:xfrm>
+            <a:off x="5702027" y="4239599"/>
+            <a:ext cx="785664" cy="235982"/>
+          </a:xfrm>
+          <a:prstGeom prst="trapezoid">
+            <a:avLst/>
+          </a:prstGeom>
+          <a:solidFill>
+            <a:srgbClr val="A6DAE9"/>
+          </a:solidFill>
+          <a:ln>
+            <a:noFill/>
+          </a:ln>
+        </p:spPr>
+        <p:style>
+          <a:lnRef idx="2">
+            <a:schemeClr val="accent1">
+              <a:shade val="50000"/>
+            </a:schemeClr>
+          </a:lnRef>
+          <a:fillRef idx="1">
+            <a:schemeClr val="accent1"/>
+          </a:fillRef>
+          <a:effectRef idx="0">
+            <a:schemeClr val="accent1"/>
+          </a:effectRef>
+          <a:fontRef idx="minor">
+            <a:schemeClr val="lt1"/>
+          </a:fontRef>
+        </p:style>
+        <p:txBody>
+          <a:bodyPr rtlCol="0" anchor="ctr"/>
+          <a:lstStyle/>
+          <a:p>
+            <a:pPr algn="ctr"/>
+            <a:endParaRPr lang="en-US"/>
+          </a:p>
+        </p:txBody>
+      </p:sp>
+      <p:sp>
+        <p:nvSpPr>
+          <p:cNvPr id="10" name="Rectangle 9"/>
+          <p:cNvSpPr/>
+          <p:nvPr/>
+        </p:nvSpPr>
+        <p:spPr>
+          <a:xfrm rot="2700000">
+            <a:off x="4984741" y="3970432"/>
+            <a:ext cx="2421882" cy="1309623"/>
+          </a:xfrm>
+          <a:prstGeom prst="rect">
+            <a:avLst/>
+          </a:prstGeom>
+          <a:solidFill>
+            <a:schemeClr val="tx1">
+              <a:alpha val="16000"/>
+            </a:schemeClr>
+          </a:solidFill>
+          <a:ln>
+            <a:noFill/>
+          </a:ln>
+        </p:spPr>
+        <p:style>
+          <a:lnRef idx="2">
+            <a:schemeClr val="accent1">
+              <a:shade val="50000"/>
+            </a:schemeClr>
+          </a:lnRef>
+          <a:fillRef idx="1">
+            <a:schemeClr val="accent1"/>
+          </a:fillRef>
+          <a:effectRef idx="0">
+            <a:schemeClr val="accent1"/>
+          </a:effectRef>
+          <a:fontRef idx="minor">
+            <a:schemeClr val="lt1"/>
+          </a:fontRef>
+        </p:style>
+        <p:txBody>
+          <a:bodyPr rtlCol="0" anchor="ctr"/>
+          <a:lstStyle/>
+          <a:p>
+            <a:pPr algn="ctr"/>
+            <a:endParaRPr lang="en-US" sz="1688"/>
+          </a:p>
+        </p:txBody>
+      </p:sp>
+      <p:sp>
+        <p:nvSpPr>
+          <p:cNvPr id="11" name="Rectangle: Rounded Corners 10"/>
+          <p:cNvSpPr/>
+          <p:nvPr/>
+        </p:nvSpPr>
+        <p:spPr>
+          <a:xfrm>
+            <a:off x="4858175" y="3824353"/>
+            <a:ext cx="2473371" cy="416439"/>
+          </a:xfrm>
+          <a:prstGeom prst="roundRect">
+            <a:avLst>
+              <a:gd name="adj" fmla="val 11442"/>
+            </a:avLst>
+          </a:prstGeom>
+          <a:solidFill>
+            <a:srgbClr val="FFFFFF"/>
+          </a:solidFill>
+          <a:ln>
+            <a:noFill/>
+          </a:ln>
+        </p:spPr>
+        <p:style>
+          <a:lnRef idx="2">
+            <a:schemeClr val="accent1">
+              <a:shade val="50000"/>
+            </a:schemeClr>
+          </a:lnRef>
+          <a:fillRef idx="1">
+            <a:schemeClr val="accent1"/>
+          </a:fillRef>
+          <a:effectRef idx="0">
+            <a:schemeClr val="accent1"/>
+          </a:effectRef>
+          <a:fontRef idx="minor">
+            <a:schemeClr val="lt1"/>
+          </a:fontRef>
+        </p:style>
+        <p:txBody>
+          <a:bodyPr rtlCol="0" anchor="ctr"/>
+          <a:lstStyle/>
+          <a:p>
+            <a:pPr algn="ctr"/>
+            <a:endParaRPr lang="en-US" sz="1688"/>
+          </a:p>
+        </p:txBody>
+      </p:sp>
+      <p:sp>
+        <p:nvSpPr>
+          <p:cNvPr id="12" name="Rectangle 11"/>
+          <p:cNvSpPr/>
+          <p:nvPr/>
+        </p:nvSpPr>
+        <p:spPr>
+          <a:xfrm>
+            <a:off x="4858175" y="3824353"/>
+            <a:ext cx="2473372" cy="206019"/>
+          </a:xfrm>
+          <a:prstGeom prst="rect">
+            <a:avLst/>
+          </a:prstGeom>
+          <a:solidFill>
+            <a:schemeClr val="tx1"/>
+          </a:solidFill>
+          <a:ln>
+            <a:noFill/>
+          </a:ln>
+        </p:spPr>
+        <p:style>
+          <a:lnRef idx="2">
+            <a:schemeClr val="accent1">
+              <a:shade val="50000"/>
+            </a:schemeClr>
+          </a:lnRef>
+          <a:fillRef idx="1">
+            <a:schemeClr val="accent1"/>
+          </a:fillRef>
+          <a:effectRef idx="0">
+            <a:schemeClr val="accent1"/>
+          </a:effectRef>
+          <a:fontRef idx="minor">
+            <a:schemeClr val="lt1"/>
+          </a:fontRef>
+        </p:style>
+        <p:txBody>
+          <a:bodyPr rtlCol="0" anchor="ctr"/>
+          <a:lstStyle/>
+          <a:p>
+            <a:pPr algn="ctr"/>
+            <a:endParaRPr lang="en-US" sz="1688"/>
+          </a:p>
+        </p:txBody>
+      </p:sp>
+      <p:sp>
+        <p:nvSpPr>
+          <p:cNvPr id="13" name="Rectangle 12"/>
+          <p:cNvSpPr/>
+          <p:nvPr/>
+        </p:nvSpPr>
+        <p:spPr>
+          <a:xfrm>
+            <a:off x="4969724" y="2610615"/>
+            <a:ext cx="2250273" cy="1316747"/>
+          </a:xfrm>
+          <a:prstGeom prst="rect">
+            <a:avLst/>
+          </a:prstGeom>
+          <a:solidFill>
+            <a:schemeClr val="tx1">
+              <a:lumMod val="75000"/>
+              <a:lumOff val="25000"/>
+            </a:schemeClr>
+          </a:solidFill>
+          <a:ln>
+            <a:noFill/>
+          </a:ln>
+        </p:spPr>
+        <p:style>
+          <a:lnRef idx="2">
+            <a:schemeClr val="accent1">
+              <a:shade val="50000"/>
+            </a:schemeClr>
+          </a:lnRef>
+          <a:fillRef idx="1">
+            <a:schemeClr val="accent1"/>
+          </a:fillRef>
+          <a:effectRef idx="0">
+            <a:schemeClr val="accent1"/>
+          </a:effectRef>
+          <a:fontRef idx="minor">
+            <a:schemeClr val="lt1"/>
+          </a:fontRef>
+        </p:style>
+        <p:txBody>
+          <a:bodyPr rtlCol="0" anchor="ctr"/>
+          <a:lstStyle/>
+          <a:p>
+            <a:pPr algn="ctr"/>
+            <a:endParaRPr lang="en-US" sz="1688"/>
+          </a:p>
+        </p:txBody>
+      </p:sp>
+      <p:sp>
+        <p:nvSpPr>
+          <p:cNvPr id="14" name="Rectangle: Rounded Corners 13"/>
+          <p:cNvSpPr/>
+          <p:nvPr/>
+        </p:nvSpPr>
+        <p:spPr>
+          <a:xfrm>
+            <a:off x="5595534" y="4411862"/>
+            <a:ext cx="996429" cy="94863"/>
+          </a:xfrm>
+          <a:prstGeom prst="roundRect">
+            <a:avLst>
+              <a:gd name="adj" fmla="val 23513"/>
+            </a:avLst>
+          </a:prstGeom>
+          <a:solidFill>
+            <a:schemeClr val="bg1"/>
+          </a:solidFill>
+          <a:ln>
+            <a:noFill/>
+          </a:ln>
+        </p:spPr>
+        <p:style>
+          <a:lnRef idx="2">
+            <a:schemeClr val="accent1">
+              <a:shade val="50000"/>
+            </a:schemeClr>
+          </a:lnRef>
+          <a:fillRef idx="1">
+            <a:schemeClr val="accent1"/>
+          </a:fillRef>
+          <a:effectRef idx="0">
+            <a:schemeClr val="accent1"/>
+          </a:effectRef>
+          <a:fontRef idx="minor">
+            <a:schemeClr val="lt1"/>
+          </a:fontRef>
+        </p:style>
+        <p:txBody>
+          <a:bodyPr rtlCol="0" anchor="ctr"/>
+          <a:lstStyle/>
+          <a:p>
+            <a:pPr algn="ctr"/>
+            <a:endParaRPr lang="en-US" sz="1688"/>
+          </a:p>
+        </p:txBody>
+      </p:sp>
+      <p:sp>
+        <p:nvSpPr>
+          <p:cNvPr id="16" name="TextBox 15"/>
+          <p:cNvSpPr txBox="1"/>
+          <p:nvPr/>
+        </p:nvSpPr>
+        <p:spPr>
+          <a:xfrm>
+            <a:off x="4973613" y="2610615"/>
+            <a:ext cx="978153" cy="1061829"/>
+          </a:xfrm>
+          <a:prstGeom prst="rect">
+            <a:avLst/>
+          </a:prstGeom>
+          <a:noFill/>
+        </p:spPr>
+        <p:txBody>
+          <a:bodyPr wrap="none" rtlCol="0">
+            <a:spAutoFit/>
+          </a:bodyPr>
+          <a:lstStyle/>
+          <a:p>
+            <a:r>
+              <a:rPr lang="en-US" sz="900" dirty="0">
+                <a:solidFill>
+                  <a:schemeClr val="bg1"/>
+                </a:solidFill>
+              </a:rPr>
+              <a:t>--------------------</a:t>
+            </a:r>
+          </a:p>
+          <a:p>
+            <a:r>
+              <a:rPr lang="en-US" sz="900" dirty="0">
+                <a:solidFill>
+                  <a:schemeClr val="bg1"/>
+                </a:solidFill>
+              </a:rPr>
+              <a:t>| X |    |    |  X |   </a:t>
+            </a:r>
+          </a:p>
+          <a:p>
+            <a:r>
+              <a:rPr lang="en-US" sz="900" dirty="0">
+                <a:solidFill>
+                  <a:schemeClr val="bg1"/>
+                </a:solidFill>
+              </a:rPr>
+              <a:t>--------------------</a:t>
+            </a:r>
+            <a:endParaRPr lang="en-US" sz="900" dirty="0">
+              <a:solidFill>
+                <a:schemeClr val="bg1"/>
+              </a:solidFill>
+            </a:endParaRPr>
+          </a:p>
+          <a:p>
+            <a:r>
+              <a:rPr lang="en-US" sz="900" dirty="0">
+                <a:solidFill>
+                  <a:schemeClr val="bg1"/>
+                </a:solidFill>
+              </a:rPr>
+              <a:t>|    | X | O | O | </a:t>
+            </a:r>
+          </a:p>
+          <a:p>
+            <a:r>
+              <a:rPr lang="en-US" sz="900" dirty="0">
+                <a:solidFill>
+                  <a:schemeClr val="bg1"/>
+                </a:solidFill>
+              </a:rPr>
+              <a:t>--------------------</a:t>
+            </a:r>
+          </a:p>
+          <a:p>
+            <a:r>
+              <a:rPr lang="en-US" sz="900" dirty="0">
+                <a:solidFill>
+                  <a:schemeClr val="bg1"/>
+                </a:solidFill>
+              </a:rPr>
+              <a:t>|    |    | X | O | </a:t>
+            </a:r>
+          </a:p>
+          <a:p>
+            <a:r>
+              <a:rPr lang="en-US" sz="900" dirty="0">
+                <a:solidFill>
+                  <a:schemeClr val="bg1"/>
+                </a:solidFill>
+              </a:rPr>
+              <a:t>--------------------</a:t>
+            </a:r>
+          </a:p>
+        </p:txBody>
+      </p:sp>
+      <p:sp>
+        <p:nvSpPr>
+          <p:cNvPr id="2" name="Rectangle 1"/>
+          <p:cNvSpPr/>
+          <p:nvPr/>
+        </p:nvSpPr>
+        <p:spPr>
+          <a:xfrm>
+            <a:off x="4977469" y="3655068"/>
+            <a:ext cx="1449116" cy="276999"/>
+          </a:xfrm>
+          <a:prstGeom prst="rect">
+            <a:avLst/>
+          </a:prstGeom>
+        </p:spPr>
+        <p:txBody>
+          <a:bodyPr wrap="square">
+            <a:spAutoFit/>
+          </a:bodyPr>
+          <a:lstStyle/>
+          <a:p>
+            <a:r>
+              <a:rPr lang="en-US" sz="600" dirty="0">
+                <a:solidFill>
+                  <a:schemeClr val="bg1"/>
+                </a:solidFill>
+              </a:rPr>
+              <a:t>Player X Won!</a:t>
+            </a:r>
+          </a:p>
+          <a:p>
+            <a:r>
+              <a:rPr lang="en-US" sz="600" dirty="0">
+                <a:solidFill>
+                  <a:schemeClr val="bg1"/>
+                </a:solidFill>
+              </a:rPr>
+              <a:t>Press Any Key To Continue…  </a:t>
+            </a:r>
+          </a:p>
+        </p:txBody>
+      </p:sp>
+      <p:sp>
+        <p:nvSpPr>
+          <p:cNvPr id="15" name="Right Triangle 14"/>
+          <p:cNvSpPr/>
+          <p:nvPr/>
+        </p:nvSpPr>
+        <p:spPr>
+          <a:xfrm flipH="1">
+            <a:off x="4969724" y="2610615"/>
+            <a:ext cx="2250273" cy="1316747"/>
+          </a:xfrm>
+          <a:prstGeom prst="rtTriangle">
+            <a:avLst/>
+          </a:prstGeom>
+          <a:solidFill>
+            <a:schemeClr val="tx1">
+              <a:alpha val="16000"/>
+            </a:schemeClr>
+          </a:solidFill>
+          <a:ln>
+            <a:noFill/>
+          </a:ln>
+        </p:spPr>
+        <p:style>
+          <a:lnRef idx="2">
+            <a:schemeClr val="accent1">
+              <a:shade val="50000"/>
+            </a:schemeClr>
+          </a:lnRef>
+          <a:fillRef idx="1">
+            <a:schemeClr val="accent1"/>
+          </a:fillRef>
+          <a:effectRef idx="0">
+            <a:schemeClr val="accent1"/>
+          </a:effectRef>
+          <a:fontRef idx="minor">
+            <a:schemeClr val="lt1"/>
+          </a:fontRef>
+        </p:style>
+        <p:txBody>
+          <a:bodyPr rtlCol="0" anchor="ctr"/>
+          <a:lstStyle/>
+          <a:p>
+            <a:pPr algn="ctr"/>
+            <a:endParaRPr lang="en-US"/>
+          </a:p>
+        </p:txBody>
+      </p:sp>
+      <p:sp>
+        <p:nvSpPr>
+          <p:cNvPr id="6" name="Oval 5"/>
+          <p:cNvSpPr/>
+          <p:nvPr/>
+        </p:nvSpPr>
+        <p:spPr>
+          <a:xfrm>
+            <a:off x="3348758" y="684943"/>
+            <a:ext cx="5494485" cy="5488115"/>
+          </a:xfrm>
+          <a:prstGeom prst="ellipse">
+            <a:avLst/>
+          </a:prstGeom>
+          <a:noFill/>
+          <a:ln w="1270000">
+            <a:solidFill>
+              <a:schemeClr val="bg1"/>
+            </a:solidFill>
+          </a:ln>
+        </p:spPr>
+        <p:style>
+          <a:lnRef idx="2">
+            <a:schemeClr val="accent1">
+              <a:shade val="50000"/>
+            </a:schemeClr>
+          </a:lnRef>
+          <a:fillRef idx="1">
+            <a:schemeClr val="accent1"/>
+          </a:fillRef>
+          <a:effectRef idx="0">
+            <a:schemeClr val="accent1"/>
+          </a:effectRef>
+          <a:fontRef idx="minor">
+            <a:schemeClr val="lt1"/>
+          </a:fontRef>
+        </p:style>
+        <p:txBody>
+          <a:bodyPr rtlCol="0" anchor="ctr"/>
+          <a:lstStyle/>
+          <a:p>
+            <a:pPr algn="ctr"/>
+            <a:endParaRPr lang="en-US" sz="1688"/>
+          </a:p>
+        </p:txBody>
+      </p:sp>
+    </p:spTree>
+    <p:extLst>
+      <p:ext uri="{BB962C8B-B14F-4D97-AF65-F5344CB8AC3E}">
+        <p14:creationId xmlns:p14="http://schemas.microsoft.com/office/powerpoint/2010/main" val="2829892148"/>
+      </p:ext>
+    </p:extLst>
+  </p:cSld>
+  <p:clrMapOvr>
+    <a:masterClrMapping/>
+  </p:clrMapOvr>
+</p:sld>
+</file>
+
+<file path=ppt/slides/slide14.xml><?xml version="1.0" encoding="utf-8"?>
+<p:sld xmlns:a="http://schemas.openxmlformats.org/drawingml/2006/main" xmlns:r="http://schemas.openxmlformats.org/officeDocument/2006/relationships" xmlns:p="http://schemas.openxmlformats.org/presentationml/2006/main">
+  <p:cSld>
+    <p:spTree>
+      <p:nvGrpSpPr>
+        <p:cNvPr id="1" name=""/>
+        <p:cNvGrpSpPr/>
+        <p:nvPr/>
+      </p:nvGrpSpPr>
+      <p:grpSpPr>
+        <a:xfrm>
+          <a:off x="0" y="0"/>
+          <a:ext cx="0" cy="0"/>
+          <a:chOff x="0" y="0"/>
+          <a:chExt cx="0" cy="0"/>
+        </a:xfrm>
+      </p:grpSpPr>
+      <p:sp>
+        <p:nvSpPr>
+          <p:cNvPr id="3" name="Oval 2"/>
+          <p:cNvSpPr/>
+          <p:nvPr/>
+        </p:nvSpPr>
+        <p:spPr>
+          <a:xfrm>
+            <a:off x="3933891" y="1266891"/>
+            <a:ext cx="4324220" cy="4324220"/>
+          </a:xfrm>
+          <a:prstGeom prst="ellipse">
+            <a:avLst/>
+          </a:prstGeom>
+          <a:solidFill>
             <a:srgbClr val="FECE66"/>
           </a:solidFill>
           <a:ln>
